--- a/Soutenance 3D/infsi350_douceur_ross.pptx
+++ b/Soutenance 3D/infsi350_douceur_ross.pptx
@@ -1,24 +1,28 @@
 
 <file path=ppt/presentation.xml><?xml version="1.0" encoding="utf-8"?>
-<p:presentation xmlns:a="http://schemas.openxmlformats.org/drawingml/2006/main" xmlns:r="http://schemas.openxmlformats.org/officeDocument/2006/relationships" xmlns:mc="http://schemas.openxmlformats.org/markup-compatibility/2006" xmlns:mv="urn:schemas-microsoft-com:mac:vml" xmlns:p="http://schemas.openxmlformats.org/presentationml/2006/main" mc:Ignorable="mv" mc:PreserveAttributes="mv:*" saveSubsetFonts="1" autoCompressPictures="0">
+<p:presentation xmlns:a="http://schemas.openxmlformats.org/drawingml/2006/main" xmlns:r="http://schemas.openxmlformats.org/officeDocument/2006/relationships" xmlns:p="http://schemas.openxmlformats.org/presentationml/2006/main" saveSubsetFonts="1" autoCompressPictures="0">
   <p:sldMasterIdLst>
-    <p:sldMasterId r:id="rId1"/>
+    <p:sldMasterId id="2147483648" r:id="rId1"/>
   </p:sldMasterIdLst>
+  <p:notesMasterIdLst>
+    <p:notesMasterId r:id="rId14"/>
+  </p:notesMasterIdLst>
+  <p:handoutMasterIdLst>
+    <p:handoutMasterId r:id="rId15"/>
+  </p:handoutMasterIdLst>
   <p:sldIdLst>
     <p:sldId id="256" r:id="rId2"/>
     <p:sldId id="265" r:id="rId3"/>
-    <p:sldId id="266" r:id="rId4"/>
-    <p:sldId id="257" r:id="rId5"/>
-    <p:sldId id="258" r:id="rId6"/>
-    <p:sldId id="259" r:id="rId7"/>
-    <p:sldId id="261" r:id="rId8"/>
-    <p:sldId id="262" r:id="rId9"/>
-    <p:sldId id="260" r:id="rId10"/>
-    <p:sldId id="264" r:id="rId11"/>
-    <p:sldId id="263" r:id="rId12"/>
-    <p:sldId id="267" r:id="rId13"/>
-    <p:sldId id="268" r:id="rId14"/>
-    <p:sldId id="269" r:id="rId15"/>
+    <p:sldId id="257" r:id="rId4"/>
+    <p:sldId id="258" r:id="rId5"/>
+    <p:sldId id="259" r:id="rId6"/>
+    <p:sldId id="261" r:id="rId7"/>
+    <p:sldId id="262" r:id="rId8"/>
+    <p:sldId id="260" r:id="rId9"/>
+    <p:sldId id="264" r:id="rId10"/>
+    <p:sldId id="263" r:id="rId11"/>
+    <p:sldId id="267" r:id="rId12"/>
+    <p:sldId id="269" r:id="rId13"/>
   </p:sldIdLst>
   <p:sldSz cx="9144000" cy="6858000" type="screen4x3"/>
   <p:notesSz cx="6858000" cy="9144000"/>
@@ -120,8 +124,525 @@
 </p:presentation>
 </file>
 
+<file path=ppt/handoutMasters/handoutMaster1.xml><?xml version="1.0" encoding="utf-8"?>
+<p:handoutMaster xmlns:a="http://schemas.openxmlformats.org/drawingml/2006/main" xmlns:r="http://schemas.openxmlformats.org/officeDocument/2006/relationships" xmlns:p="http://schemas.openxmlformats.org/presentationml/2006/main">
+  <p:cSld>
+    <p:bg>
+      <p:bgRef idx="1001">
+        <a:schemeClr val="bg1"/>
+      </p:bgRef>
+    </p:bg>
+    <p:spTree>
+      <p:nvGrpSpPr>
+        <p:cNvPr id="1" name=""/>
+        <p:cNvGrpSpPr/>
+        <p:nvPr/>
+      </p:nvGrpSpPr>
+      <p:grpSpPr>
+        <a:xfrm>
+          <a:off x="0" y="0"/>
+          <a:ext cx="0" cy="0"/>
+          <a:chOff x="0" y="0"/>
+          <a:chExt cx="0" cy="0"/>
+        </a:xfrm>
+      </p:grpSpPr>
+      <p:sp>
+        <p:nvSpPr>
+          <p:cNvPr id="2" name="Header Placeholder 1"/>
+          <p:cNvSpPr>
+            <a:spLocks noGrp="1"/>
+          </p:cNvSpPr>
+          <p:nvPr>
+            <p:ph type="hdr" sz="quarter"/>
+          </p:nvPr>
+        </p:nvSpPr>
+        <p:spPr>
+          <a:xfrm>
+            <a:off x="0" y="0"/>
+            <a:ext cx="2971800" cy="457200"/>
+          </a:xfrm>
+          <a:prstGeom prst="rect">
+            <a:avLst/>
+          </a:prstGeom>
+        </p:spPr>
+        <p:txBody>
+          <a:bodyPr vert="horz" lIns="91440" tIns="45720" rIns="91440" bIns="45720" rtlCol="0"/>
+          <a:lstStyle>
+            <a:lvl1pPr algn="l">
+              <a:defRPr sz="1200"/>
+            </a:lvl1pPr>
+          </a:lstStyle>
+          <a:p>
+            <a:endParaRPr lang="fr-FR"/>
+          </a:p>
+        </p:txBody>
+      </p:sp>
+      <p:sp>
+        <p:nvSpPr>
+          <p:cNvPr id="3" name="Date Placeholder 2"/>
+          <p:cNvSpPr>
+            <a:spLocks noGrp="1"/>
+          </p:cNvSpPr>
+          <p:nvPr>
+            <p:ph type="dt" sz="quarter" idx="1"/>
+          </p:nvPr>
+        </p:nvSpPr>
+        <p:spPr>
+          <a:xfrm>
+            <a:off x="3884613" y="0"/>
+            <a:ext cx="2971800" cy="457200"/>
+          </a:xfrm>
+          <a:prstGeom prst="rect">
+            <a:avLst/>
+          </a:prstGeom>
+        </p:spPr>
+        <p:txBody>
+          <a:bodyPr vert="horz" lIns="91440" tIns="45720" rIns="91440" bIns="45720" rtlCol="0"/>
+          <a:lstStyle>
+            <a:lvl1pPr algn="r">
+              <a:defRPr sz="1200"/>
+            </a:lvl1pPr>
+          </a:lstStyle>
+          <a:p>
+            <a:fld id="{B59D6C02-37C4-A342-973D-A6B4F464F26B}" type="datetimeFigureOut">
+              <a:rPr lang="en-US" smtClean="0"/>
+              <a:t>4/28/11</a:t>
+            </a:fld>
+            <a:endParaRPr lang="fr-FR"/>
+          </a:p>
+        </p:txBody>
+      </p:sp>
+      <p:sp>
+        <p:nvSpPr>
+          <p:cNvPr id="4" name="Footer Placeholder 3"/>
+          <p:cNvSpPr>
+            <a:spLocks noGrp="1"/>
+          </p:cNvSpPr>
+          <p:nvPr>
+            <p:ph type="ftr" sz="quarter" idx="2"/>
+          </p:nvPr>
+        </p:nvSpPr>
+        <p:spPr>
+          <a:xfrm>
+            <a:off x="0" y="8685213"/>
+            <a:ext cx="2971800" cy="457200"/>
+          </a:xfrm>
+          <a:prstGeom prst="rect">
+            <a:avLst/>
+          </a:prstGeom>
+        </p:spPr>
+        <p:txBody>
+          <a:bodyPr vert="horz" lIns="91440" tIns="45720" rIns="91440" bIns="45720" rtlCol="0" anchor="b"/>
+          <a:lstStyle>
+            <a:lvl1pPr algn="l">
+              <a:defRPr sz="1200"/>
+            </a:lvl1pPr>
+          </a:lstStyle>
+          <a:p>
+            <a:endParaRPr lang="fr-FR"/>
+          </a:p>
+        </p:txBody>
+      </p:sp>
+      <p:sp>
+        <p:nvSpPr>
+          <p:cNvPr id="5" name="Slide Number Placeholder 4"/>
+          <p:cNvSpPr>
+            <a:spLocks noGrp="1"/>
+          </p:cNvSpPr>
+          <p:nvPr>
+            <p:ph type="sldNum" sz="quarter" idx="3"/>
+          </p:nvPr>
+        </p:nvSpPr>
+        <p:spPr>
+          <a:xfrm>
+            <a:off x="3884613" y="8685213"/>
+            <a:ext cx="2971800" cy="457200"/>
+          </a:xfrm>
+          <a:prstGeom prst="rect">
+            <a:avLst/>
+          </a:prstGeom>
+        </p:spPr>
+        <p:txBody>
+          <a:bodyPr vert="horz" lIns="91440" tIns="45720" rIns="91440" bIns="45720" rtlCol="0" anchor="b"/>
+          <a:lstStyle>
+            <a:lvl1pPr algn="r">
+              <a:defRPr sz="1200"/>
+            </a:lvl1pPr>
+          </a:lstStyle>
+          <a:p>
+            <a:fld id="{BC5514FD-6912-8946-BC31-F4DF8B343F5C}" type="slidenum">
+              <a:rPr lang="fr-FR" smtClean="0"/>
+              <a:t>‹#›</a:t>
+            </a:fld>
+            <a:endParaRPr lang="fr-FR"/>
+          </a:p>
+        </p:txBody>
+      </p:sp>
+    </p:spTree>
+    <p:extLst>
+      <p:ext uri="{BB962C8B-B14F-4D97-AF65-F5344CB8AC3E}">
+        <p14:creationId xmlns:p14="http://schemas.microsoft.com/office/powerpoint/2010/main" val="2397147794"/>
+      </p:ext>
+    </p:extLst>
+  </p:cSld>
+  <p:clrMap bg1="lt1" tx1="dk1" bg2="lt2" tx2="dk2" accent1="accent1" accent2="accent2" accent3="accent3" accent4="accent4" accent5="accent5" accent6="accent6" hlink="hlink" folHlink="folHlink"/>
+  <p:hf hdr="0" ftr="0" dt="0"/>
+</p:handoutMaster>
+</file>
+
+<file path=ppt/notesMasters/notesMaster1.xml><?xml version="1.0" encoding="utf-8"?>
+<p:notesMaster xmlns:a="http://schemas.openxmlformats.org/drawingml/2006/main" xmlns:r="http://schemas.openxmlformats.org/officeDocument/2006/relationships" xmlns:p="http://schemas.openxmlformats.org/presentationml/2006/main">
+  <p:cSld>
+    <p:bg>
+      <p:bgRef idx="1001">
+        <a:schemeClr val="bg1"/>
+      </p:bgRef>
+    </p:bg>
+    <p:spTree>
+      <p:nvGrpSpPr>
+        <p:cNvPr id="1" name=""/>
+        <p:cNvGrpSpPr/>
+        <p:nvPr/>
+      </p:nvGrpSpPr>
+      <p:grpSpPr>
+        <a:xfrm>
+          <a:off x="0" y="0"/>
+          <a:ext cx="0" cy="0"/>
+          <a:chOff x="0" y="0"/>
+          <a:chExt cx="0" cy="0"/>
+        </a:xfrm>
+      </p:grpSpPr>
+      <p:sp>
+        <p:nvSpPr>
+          <p:cNvPr id="2" name="Header Placeholder 1"/>
+          <p:cNvSpPr>
+            <a:spLocks noGrp="1"/>
+          </p:cNvSpPr>
+          <p:nvPr>
+            <p:ph type="hdr" sz="quarter"/>
+          </p:nvPr>
+        </p:nvSpPr>
+        <p:spPr>
+          <a:xfrm>
+            <a:off x="0" y="0"/>
+            <a:ext cx="2971800" cy="457200"/>
+          </a:xfrm>
+          <a:prstGeom prst="rect">
+            <a:avLst/>
+          </a:prstGeom>
+        </p:spPr>
+        <p:txBody>
+          <a:bodyPr vert="horz" lIns="91440" tIns="45720" rIns="91440" bIns="45720" rtlCol="0"/>
+          <a:lstStyle>
+            <a:lvl1pPr algn="l">
+              <a:defRPr sz="1200"/>
+            </a:lvl1pPr>
+          </a:lstStyle>
+          <a:p>
+            <a:endParaRPr lang="fr-FR"/>
+          </a:p>
+        </p:txBody>
+      </p:sp>
+      <p:sp>
+        <p:nvSpPr>
+          <p:cNvPr id="3" name="Date Placeholder 2"/>
+          <p:cNvSpPr>
+            <a:spLocks noGrp="1"/>
+          </p:cNvSpPr>
+          <p:nvPr>
+            <p:ph type="dt" idx="1"/>
+          </p:nvPr>
+        </p:nvSpPr>
+        <p:spPr>
+          <a:xfrm>
+            <a:off x="3884613" y="0"/>
+            <a:ext cx="2971800" cy="457200"/>
+          </a:xfrm>
+          <a:prstGeom prst="rect">
+            <a:avLst/>
+          </a:prstGeom>
+        </p:spPr>
+        <p:txBody>
+          <a:bodyPr vert="horz" lIns="91440" tIns="45720" rIns="91440" bIns="45720" rtlCol="0"/>
+          <a:lstStyle>
+            <a:lvl1pPr algn="r">
+              <a:defRPr sz="1200"/>
+            </a:lvl1pPr>
+          </a:lstStyle>
+          <a:p>
+            <a:fld id="{9191B7A4-0A5E-3243-BBF2-0A74C889ACAF}" type="datetimeFigureOut">
+              <a:rPr lang="en-US" smtClean="0"/>
+              <a:t>4/28/11</a:t>
+            </a:fld>
+            <a:endParaRPr lang="fr-FR"/>
+          </a:p>
+        </p:txBody>
+      </p:sp>
+      <p:sp>
+        <p:nvSpPr>
+          <p:cNvPr id="4" name="Slide Image Placeholder 3"/>
+          <p:cNvSpPr>
+            <a:spLocks noGrp="1" noRot="1" noChangeAspect="1"/>
+          </p:cNvSpPr>
+          <p:nvPr>
+            <p:ph type="sldImg" idx="2"/>
+          </p:nvPr>
+        </p:nvSpPr>
+        <p:spPr>
+          <a:xfrm>
+            <a:off x="1143000" y="685800"/>
+            <a:ext cx="4572000" cy="3429000"/>
+          </a:xfrm>
+          <a:prstGeom prst="rect">
+            <a:avLst/>
+          </a:prstGeom>
+          <a:noFill/>
+          <a:ln w="12700">
+            <a:solidFill>
+              <a:prstClr val="black"/>
+            </a:solidFill>
+          </a:ln>
+        </p:spPr>
+        <p:txBody>
+          <a:bodyPr vert="horz" lIns="91440" tIns="45720" rIns="91440" bIns="45720" rtlCol="0" anchor="ctr"/>
+          <a:lstStyle/>
+          <a:p>
+            <a:endParaRPr lang="fr-FR"/>
+          </a:p>
+        </p:txBody>
+      </p:sp>
+      <p:sp>
+        <p:nvSpPr>
+          <p:cNvPr id="5" name="Notes Placeholder 4"/>
+          <p:cNvSpPr>
+            <a:spLocks noGrp="1"/>
+          </p:cNvSpPr>
+          <p:nvPr>
+            <p:ph type="body" sz="quarter" idx="3"/>
+          </p:nvPr>
+        </p:nvSpPr>
+        <p:spPr>
+          <a:xfrm>
+            <a:off x="685800" y="4343400"/>
+            <a:ext cx="5486400" cy="4114800"/>
+          </a:xfrm>
+          <a:prstGeom prst="rect">
+            <a:avLst/>
+          </a:prstGeom>
+        </p:spPr>
+        <p:txBody>
+          <a:bodyPr vert="horz" lIns="91440" tIns="45720" rIns="91440" bIns="45720" rtlCol="0"/>
+          <a:lstStyle/>
+          <a:p>
+            <a:pPr lvl="0"/>
+            <a:r>
+              <a:rPr lang="fr-FR" smtClean="0"/>
+              <a:t>Click to edit Master text styles</a:t>
+            </a:r>
+          </a:p>
+          <a:p>
+            <a:pPr lvl="1"/>
+            <a:r>
+              <a:rPr lang="fr-FR" smtClean="0"/>
+              <a:t>Second level</a:t>
+            </a:r>
+          </a:p>
+          <a:p>
+            <a:pPr lvl="2"/>
+            <a:r>
+              <a:rPr lang="fr-FR" smtClean="0"/>
+              <a:t>Third level</a:t>
+            </a:r>
+          </a:p>
+          <a:p>
+            <a:pPr lvl="3"/>
+            <a:r>
+              <a:rPr lang="fr-FR" smtClean="0"/>
+              <a:t>Fourth level</a:t>
+            </a:r>
+          </a:p>
+          <a:p>
+            <a:pPr lvl="4"/>
+            <a:r>
+              <a:rPr lang="fr-FR" smtClean="0"/>
+              <a:t>Fifth level</a:t>
+            </a:r>
+            <a:endParaRPr lang="fr-FR"/>
+          </a:p>
+        </p:txBody>
+      </p:sp>
+      <p:sp>
+        <p:nvSpPr>
+          <p:cNvPr id="6" name="Footer Placeholder 5"/>
+          <p:cNvSpPr>
+            <a:spLocks noGrp="1"/>
+          </p:cNvSpPr>
+          <p:nvPr>
+            <p:ph type="ftr" sz="quarter" idx="4"/>
+          </p:nvPr>
+        </p:nvSpPr>
+        <p:spPr>
+          <a:xfrm>
+            <a:off x="0" y="8685213"/>
+            <a:ext cx="2971800" cy="457200"/>
+          </a:xfrm>
+          <a:prstGeom prst="rect">
+            <a:avLst/>
+          </a:prstGeom>
+        </p:spPr>
+        <p:txBody>
+          <a:bodyPr vert="horz" lIns="91440" tIns="45720" rIns="91440" bIns="45720" rtlCol="0" anchor="b"/>
+          <a:lstStyle>
+            <a:lvl1pPr algn="l">
+              <a:defRPr sz="1200"/>
+            </a:lvl1pPr>
+          </a:lstStyle>
+          <a:p>
+            <a:endParaRPr lang="fr-FR"/>
+          </a:p>
+        </p:txBody>
+      </p:sp>
+      <p:sp>
+        <p:nvSpPr>
+          <p:cNvPr id="7" name="Slide Number Placeholder 6"/>
+          <p:cNvSpPr>
+            <a:spLocks noGrp="1"/>
+          </p:cNvSpPr>
+          <p:nvPr>
+            <p:ph type="sldNum" sz="quarter" idx="5"/>
+          </p:nvPr>
+        </p:nvSpPr>
+        <p:spPr>
+          <a:xfrm>
+            <a:off x="3884613" y="8685213"/>
+            <a:ext cx="2971800" cy="457200"/>
+          </a:xfrm>
+          <a:prstGeom prst="rect">
+            <a:avLst/>
+          </a:prstGeom>
+        </p:spPr>
+        <p:txBody>
+          <a:bodyPr vert="horz" lIns="91440" tIns="45720" rIns="91440" bIns="45720" rtlCol="0" anchor="b"/>
+          <a:lstStyle>
+            <a:lvl1pPr algn="r">
+              <a:defRPr sz="1200"/>
+            </a:lvl1pPr>
+          </a:lstStyle>
+          <a:p>
+            <a:fld id="{6D078CAA-1CED-194B-91EB-3ED14595B601}" type="slidenum">
+              <a:rPr lang="fr-FR" smtClean="0"/>
+              <a:t>‹#›</a:t>
+            </a:fld>
+            <a:endParaRPr lang="fr-FR"/>
+          </a:p>
+        </p:txBody>
+      </p:sp>
+    </p:spTree>
+    <p:extLst>
+      <p:ext uri="{BB962C8B-B14F-4D97-AF65-F5344CB8AC3E}">
+        <p14:creationId xmlns:p14="http://schemas.microsoft.com/office/powerpoint/2010/main" val="1561903663"/>
+      </p:ext>
+    </p:extLst>
+  </p:cSld>
+  <p:clrMap bg1="lt1" tx1="dk1" bg2="lt2" tx2="dk2" accent1="accent1" accent2="accent2" accent3="accent3" accent4="accent4" accent5="accent5" accent6="accent6" hlink="hlink" folHlink="folHlink"/>
+  <p:hf hdr="0" ftr="0" dt="0"/>
+  <p:notesStyle>
+    <a:lvl1pPr marL="0" algn="l" defTabSz="457200" rtl="0" eaLnBrk="1" latinLnBrk="0" hangingPunct="1">
+      <a:defRPr sz="1200" kern="1200">
+        <a:solidFill>
+          <a:schemeClr val="tx1"/>
+        </a:solidFill>
+        <a:latin typeface="+mn-lt"/>
+        <a:ea typeface="+mn-ea"/>
+        <a:cs typeface="+mn-cs"/>
+      </a:defRPr>
+    </a:lvl1pPr>
+    <a:lvl2pPr marL="457200" algn="l" defTabSz="457200" rtl="0" eaLnBrk="1" latinLnBrk="0" hangingPunct="1">
+      <a:defRPr sz="1200" kern="1200">
+        <a:solidFill>
+          <a:schemeClr val="tx1"/>
+        </a:solidFill>
+        <a:latin typeface="+mn-lt"/>
+        <a:ea typeface="+mn-ea"/>
+        <a:cs typeface="+mn-cs"/>
+      </a:defRPr>
+    </a:lvl2pPr>
+    <a:lvl3pPr marL="914400" algn="l" defTabSz="457200" rtl="0" eaLnBrk="1" latinLnBrk="0" hangingPunct="1">
+      <a:defRPr sz="1200" kern="1200">
+        <a:solidFill>
+          <a:schemeClr val="tx1"/>
+        </a:solidFill>
+        <a:latin typeface="+mn-lt"/>
+        <a:ea typeface="+mn-ea"/>
+        <a:cs typeface="+mn-cs"/>
+      </a:defRPr>
+    </a:lvl3pPr>
+    <a:lvl4pPr marL="1371600" algn="l" defTabSz="457200" rtl="0" eaLnBrk="1" latinLnBrk="0" hangingPunct="1">
+      <a:defRPr sz="1200" kern="1200">
+        <a:solidFill>
+          <a:schemeClr val="tx1"/>
+        </a:solidFill>
+        <a:latin typeface="+mn-lt"/>
+        <a:ea typeface="+mn-ea"/>
+        <a:cs typeface="+mn-cs"/>
+      </a:defRPr>
+    </a:lvl4pPr>
+    <a:lvl5pPr marL="1828800" algn="l" defTabSz="457200" rtl="0" eaLnBrk="1" latinLnBrk="0" hangingPunct="1">
+      <a:defRPr sz="1200" kern="1200">
+        <a:solidFill>
+          <a:schemeClr val="tx1"/>
+        </a:solidFill>
+        <a:latin typeface="+mn-lt"/>
+        <a:ea typeface="+mn-ea"/>
+        <a:cs typeface="+mn-cs"/>
+      </a:defRPr>
+    </a:lvl5pPr>
+    <a:lvl6pPr marL="2286000" algn="l" defTabSz="457200" rtl="0" eaLnBrk="1" latinLnBrk="0" hangingPunct="1">
+      <a:defRPr sz="1200" kern="1200">
+        <a:solidFill>
+          <a:schemeClr val="tx1"/>
+        </a:solidFill>
+        <a:latin typeface="+mn-lt"/>
+        <a:ea typeface="+mn-ea"/>
+        <a:cs typeface="+mn-cs"/>
+      </a:defRPr>
+    </a:lvl6pPr>
+    <a:lvl7pPr marL="2743200" algn="l" defTabSz="457200" rtl="0" eaLnBrk="1" latinLnBrk="0" hangingPunct="1">
+      <a:defRPr sz="1200" kern="1200">
+        <a:solidFill>
+          <a:schemeClr val="tx1"/>
+        </a:solidFill>
+        <a:latin typeface="+mn-lt"/>
+        <a:ea typeface="+mn-ea"/>
+        <a:cs typeface="+mn-cs"/>
+      </a:defRPr>
+    </a:lvl7pPr>
+    <a:lvl8pPr marL="3200400" algn="l" defTabSz="457200" rtl="0" eaLnBrk="1" latinLnBrk="0" hangingPunct="1">
+      <a:defRPr sz="1200" kern="1200">
+        <a:solidFill>
+          <a:schemeClr val="tx1"/>
+        </a:solidFill>
+        <a:latin typeface="+mn-lt"/>
+        <a:ea typeface="+mn-ea"/>
+        <a:cs typeface="+mn-cs"/>
+      </a:defRPr>
+    </a:lvl8pPr>
+    <a:lvl9pPr marL="3657600" algn="l" defTabSz="457200" rtl="0" eaLnBrk="1" latinLnBrk="0" hangingPunct="1">
+      <a:defRPr sz="1200" kern="1200">
+        <a:solidFill>
+          <a:schemeClr val="tx1"/>
+        </a:solidFill>
+        <a:latin typeface="+mn-lt"/>
+        <a:ea typeface="+mn-ea"/>
+        <a:cs typeface="+mn-cs"/>
+      </a:defRPr>
+    </a:lvl9pPr>
+  </p:notesStyle>
+</p:notesMaster>
+</file>
+
 <file path=ppt/slideLayouts/slideLayout1.xml><?xml version="1.0" encoding="utf-8"?>
-<p:sldLayout xmlns:a="http://schemas.openxmlformats.org/drawingml/2006/main" xmlns:r="http://schemas.openxmlformats.org/officeDocument/2006/relationships" xmlns:mc="http://schemas.openxmlformats.org/markup-compatibility/2006" xmlns:mv="urn:schemas-microsoft-com:mac:vml" xmlns:p="http://schemas.openxmlformats.org/presentationml/2006/main" mc:Ignorable="mv" mc:PreserveAttributes="mv:*" type="title" preserve="1">
+<p:sldLayout xmlns:a="http://schemas.openxmlformats.org/drawingml/2006/main" xmlns:r="http://schemas.openxmlformats.org/officeDocument/2006/relationships" xmlns:p="http://schemas.openxmlformats.org/presentationml/2006/main" type="title" preserve="1">
   <p:cSld name="Diapositive de titre">
     <p:spTree>
       <p:nvGrpSpPr>
@@ -229,9 +750,9 @@
           <a:bodyPr/>
           <a:lstStyle/>
           <a:p>
-            <a:fld id="{47DE0A5F-0FEF-7744-9DCB-8BFA10EB0528}" type="datetimeFigureOut">
-              <a:rPr lang="fr-FR" smtClean="0"/>
-              <a:t>28/04/11</a:t>
+            <a:fld id="{7CD5F391-CD3D-C247-9677-BD434606CFF5}" type="datetime1">
+              <a:rPr lang="en-US" smtClean="0"/>
+              <a:t>4/28/11</a:t>
             </a:fld>
             <a:endParaRPr lang="fr-FR"/>
           </a:p>
@@ -350,7 +871,7 @@
 </file>
 
 <file path=ppt/slideLayouts/slideLayout10.xml><?xml version="1.0" encoding="utf-8"?>
-<p:sldLayout xmlns:a="http://schemas.openxmlformats.org/drawingml/2006/main" xmlns:r="http://schemas.openxmlformats.org/officeDocument/2006/relationships" xmlns:mc="http://schemas.openxmlformats.org/markup-compatibility/2006" xmlns:mv="urn:schemas-microsoft-com:mac:vml" xmlns:p="http://schemas.openxmlformats.org/presentationml/2006/main" mc:Ignorable="mv" mc:PreserveAttributes="mv:*" type="vertTx" preserve="1">
+<p:sldLayout xmlns:a="http://schemas.openxmlformats.org/drawingml/2006/main" xmlns:r="http://schemas.openxmlformats.org/officeDocument/2006/relationships" xmlns:p="http://schemas.openxmlformats.org/presentationml/2006/main" type="vertTx" preserve="1">
   <p:cSld name="Titre et texte vertical">
     <p:spTree>
       <p:nvGrpSpPr>
@@ -456,9 +977,9 @@
           <a:bodyPr/>
           <a:lstStyle/>
           <a:p>
-            <a:fld id="{47DE0A5F-0FEF-7744-9DCB-8BFA10EB0528}" type="datetimeFigureOut">
-              <a:rPr lang="fr-FR" smtClean="0"/>
-              <a:t>28/04/11</a:t>
+            <a:fld id="{6E1A4F9E-F27C-434C-A9E5-8A05A4B843BB}" type="datetime1">
+              <a:rPr lang="en-US" smtClean="0"/>
+              <a:t>4/28/11</a:t>
             </a:fld>
             <a:endParaRPr lang="fr-FR"/>
           </a:p>
@@ -515,7 +1036,7 @@
 </file>
 
 <file path=ppt/slideLayouts/slideLayout11.xml><?xml version="1.0" encoding="utf-8"?>
-<p:sldLayout xmlns:a="http://schemas.openxmlformats.org/drawingml/2006/main" xmlns:r="http://schemas.openxmlformats.org/officeDocument/2006/relationships" xmlns:mc="http://schemas.openxmlformats.org/markup-compatibility/2006" xmlns:mv="urn:schemas-microsoft-com:mac:vml" xmlns:p="http://schemas.openxmlformats.org/presentationml/2006/main" mc:Ignorable="mv" mc:PreserveAttributes="mv:*" type="vertTitleAndTx" preserve="1">
+<p:sldLayout xmlns:a="http://schemas.openxmlformats.org/drawingml/2006/main" xmlns:r="http://schemas.openxmlformats.org/officeDocument/2006/relationships" xmlns:p="http://schemas.openxmlformats.org/presentationml/2006/main" type="vertTitleAndTx" preserve="1">
   <p:cSld name="Titre vertical et texte">
     <p:spTree>
       <p:nvGrpSpPr>
@@ -631,9 +1152,9 @@
           <a:bodyPr/>
           <a:lstStyle/>
           <a:p>
-            <a:fld id="{47DE0A5F-0FEF-7744-9DCB-8BFA10EB0528}" type="datetimeFigureOut">
-              <a:rPr lang="fr-FR" smtClean="0"/>
-              <a:t>28/04/11</a:t>
+            <a:fld id="{05B84D70-137C-6948-AE66-DA10E59E362B}" type="datetime1">
+              <a:rPr lang="en-US" smtClean="0"/>
+              <a:t>4/28/11</a:t>
             </a:fld>
             <a:endParaRPr lang="fr-FR"/>
           </a:p>
@@ -690,7 +1211,7 @@
 </file>
 
 <file path=ppt/slideLayouts/slideLayout2.xml><?xml version="1.0" encoding="utf-8"?>
-<p:sldLayout xmlns:a="http://schemas.openxmlformats.org/drawingml/2006/main" xmlns:r="http://schemas.openxmlformats.org/officeDocument/2006/relationships" xmlns:mc="http://schemas.openxmlformats.org/markup-compatibility/2006" xmlns:mv="urn:schemas-microsoft-com:mac:vml" xmlns:p="http://schemas.openxmlformats.org/presentationml/2006/main" mc:Ignorable="mv" mc:PreserveAttributes="mv:*" type="obj" preserve="1">
+<p:sldLayout xmlns:a="http://schemas.openxmlformats.org/drawingml/2006/main" xmlns:r="http://schemas.openxmlformats.org/officeDocument/2006/relationships" xmlns:p="http://schemas.openxmlformats.org/presentationml/2006/main" type="obj" preserve="1">
   <p:cSld name="Titre et contenu">
     <p:spTree>
       <p:nvGrpSpPr>
@@ -796,9 +1317,9 @@
           <a:bodyPr/>
           <a:lstStyle/>
           <a:p>
-            <a:fld id="{47DE0A5F-0FEF-7744-9DCB-8BFA10EB0528}" type="datetimeFigureOut">
-              <a:rPr lang="fr-FR" smtClean="0"/>
-              <a:t>28/04/11</a:t>
+            <a:fld id="{A16CAF6F-3F3E-924B-9E7F-08D7B33F524A}" type="datetime1">
+              <a:rPr lang="en-US" smtClean="0"/>
+              <a:t>4/28/11</a:t>
             </a:fld>
             <a:endParaRPr lang="fr-FR"/>
           </a:p>
@@ -855,7 +1376,7 @@
 </file>
 
 <file path=ppt/slideLayouts/slideLayout3.xml><?xml version="1.0" encoding="utf-8"?>
-<p:sldLayout xmlns:a="http://schemas.openxmlformats.org/drawingml/2006/main" xmlns:r="http://schemas.openxmlformats.org/officeDocument/2006/relationships" xmlns:mc="http://schemas.openxmlformats.org/markup-compatibility/2006" xmlns:mv="urn:schemas-microsoft-com:mac:vml" xmlns:p="http://schemas.openxmlformats.org/presentationml/2006/main" mc:Ignorable="mv" mc:PreserveAttributes="mv:*" type="secHead" preserve="1">
+<p:sldLayout xmlns:a="http://schemas.openxmlformats.org/drawingml/2006/main" xmlns:r="http://schemas.openxmlformats.org/officeDocument/2006/relationships" xmlns:p="http://schemas.openxmlformats.org/presentationml/2006/main" type="secHead" preserve="1">
   <p:cSld name="En-tête de section">
     <p:spTree>
       <p:nvGrpSpPr>
@@ -1035,9 +1556,9 @@
           <a:bodyPr/>
           <a:lstStyle/>
           <a:p>
-            <a:fld id="{47DE0A5F-0FEF-7744-9DCB-8BFA10EB0528}" type="datetimeFigureOut">
-              <a:rPr lang="fr-FR" smtClean="0"/>
-              <a:t>28/04/11</a:t>
+            <a:fld id="{2622FFE4-2291-664C-A911-0E8094EE089A}" type="datetime1">
+              <a:rPr lang="en-US" smtClean="0"/>
+              <a:t>4/28/11</a:t>
             </a:fld>
             <a:endParaRPr lang="fr-FR"/>
           </a:p>
@@ -1099,7 +1620,7 @@
 </file>
 
 <file path=ppt/slideLayouts/slideLayout4.xml><?xml version="1.0" encoding="utf-8"?>
-<p:sldLayout xmlns:a="http://schemas.openxmlformats.org/drawingml/2006/main" xmlns:r="http://schemas.openxmlformats.org/officeDocument/2006/relationships" xmlns:mc="http://schemas.openxmlformats.org/markup-compatibility/2006" xmlns:mv="urn:schemas-microsoft-com:mac:vml" xmlns:p="http://schemas.openxmlformats.org/presentationml/2006/main" mc:Ignorable="mv" mc:PreserveAttributes="mv:*" type="twoObj" preserve="1">
+<p:sldLayout xmlns:a="http://schemas.openxmlformats.org/drawingml/2006/main" xmlns:r="http://schemas.openxmlformats.org/officeDocument/2006/relationships" xmlns:p="http://schemas.openxmlformats.org/presentationml/2006/main" type="twoObj" preserve="1">
   <p:cSld name="Deux contenus">
     <p:spTree>
       <p:nvGrpSpPr>
@@ -1299,9 +1820,9 @@
           <a:bodyPr/>
           <a:lstStyle/>
           <a:p>
-            <a:fld id="{47DE0A5F-0FEF-7744-9DCB-8BFA10EB0528}" type="datetimeFigureOut">
-              <a:rPr lang="fr-FR" smtClean="0"/>
-              <a:t>28/04/11</a:t>
+            <a:fld id="{9370250B-A484-1C42-AF57-F33E344F76C4}" type="datetime1">
+              <a:rPr lang="en-US" smtClean="0"/>
+              <a:t>4/28/11</a:t>
             </a:fld>
             <a:endParaRPr lang="fr-FR"/>
           </a:p>
@@ -1358,7 +1879,7 @@
 </file>
 
 <file path=ppt/slideLayouts/slideLayout5.xml><?xml version="1.0" encoding="utf-8"?>
-<p:sldLayout xmlns:a="http://schemas.openxmlformats.org/drawingml/2006/main" xmlns:r="http://schemas.openxmlformats.org/officeDocument/2006/relationships" xmlns:mc="http://schemas.openxmlformats.org/markup-compatibility/2006" xmlns:mv="urn:schemas-microsoft-com:mac:vml" xmlns:p="http://schemas.openxmlformats.org/presentationml/2006/main" mc:Ignorable="mv" mc:PreserveAttributes="mv:*" type="twoTxTwoObj" preserve="1">
+<p:sldLayout xmlns:a="http://schemas.openxmlformats.org/drawingml/2006/main" xmlns:r="http://schemas.openxmlformats.org/officeDocument/2006/relationships" xmlns:p="http://schemas.openxmlformats.org/presentationml/2006/main" type="twoTxTwoObj" preserve="1">
   <p:cSld name="Comparaison">
     <p:spTree>
       <p:nvGrpSpPr>
@@ -1673,9 +2194,9 @@
           <a:bodyPr/>
           <a:lstStyle/>
           <a:p>
-            <a:fld id="{47DE0A5F-0FEF-7744-9DCB-8BFA10EB0528}" type="datetimeFigureOut">
-              <a:rPr lang="fr-FR" smtClean="0"/>
-              <a:t>28/04/11</a:t>
+            <a:fld id="{E7D13FDB-49AF-FC4E-B93C-2420AE27338E}" type="datetime1">
+              <a:rPr lang="en-US" smtClean="0"/>
+              <a:t>4/28/11</a:t>
             </a:fld>
             <a:endParaRPr lang="fr-FR"/>
           </a:p>
@@ -1732,7 +2253,7 @@
 </file>
 
 <file path=ppt/slideLayouts/slideLayout6.xml><?xml version="1.0" encoding="utf-8"?>
-<p:sldLayout xmlns:a="http://schemas.openxmlformats.org/drawingml/2006/main" xmlns:r="http://schemas.openxmlformats.org/officeDocument/2006/relationships" xmlns:mc="http://schemas.openxmlformats.org/markup-compatibility/2006" xmlns:mv="urn:schemas-microsoft-com:mac:vml" xmlns:p="http://schemas.openxmlformats.org/presentationml/2006/main" mc:Ignorable="mv" mc:PreserveAttributes="mv:*" type="titleOnly" preserve="1">
+<p:sldLayout xmlns:a="http://schemas.openxmlformats.org/drawingml/2006/main" xmlns:r="http://schemas.openxmlformats.org/officeDocument/2006/relationships" xmlns:p="http://schemas.openxmlformats.org/presentationml/2006/main" type="titleOnly" preserve="1">
   <p:cSld name="Titre seul">
     <p:spTree>
       <p:nvGrpSpPr>
@@ -1786,9 +2307,9 @@
           <a:bodyPr/>
           <a:lstStyle/>
           <a:p>
-            <a:fld id="{47DE0A5F-0FEF-7744-9DCB-8BFA10EB0528}" type="datetimeFigureOut">
-              <a:rPr lang="fr-FR" smtClean="0"/>
-              <a:t>28/04/11</a:t>
+            <a:fld id="{3BEC889B-A9E3-AF4B-A95B-CBDE811AC380}" type="datetime1">
+              <a:rPr lang="en-US" smtClean="0"/>
+              <a:t>4/28/11</a:t>
             </a:fld>
             <a:endParaRPr lang="fr-FR"/>
           </a:p>
@@ -1845,7 +2366,7 @@
 </file>
 
 <file path=ppt/slideLayouts/slideLayout7.xml><?xml version="1.0" encoding="utf-8"?>
-<p:sldLayout xmlns:a="http://schemas.openxmlformats.org/drawingml/2006/main" xmlns:r="http://schemas.openxmlformats.org/officeDocument/2006/relationships" xmlns:mc="http://schemas.openxmlformats.org/markup-compatibility/2006" xmlns:mv="urn:schemas-microsoft-com:mac:vml" xmlns:p="http://schemas.openxmlformats.org/presentationml/2006/main" mc:Ignorable="mv" mc:PreserveAttributes="mv:*" type="blank" preserve="1">
+<p:sldLayout xmlns:a="http://schemas.openxmlformats.org/drawingml/2006/main" xmlns:r="http://schemas.openxmlformats.org/officeDocument/2006/relationships" xmlns:p="http://schemas.openxmlformats.org/presentationml/2006/main" type="blank" preserve="1">
   <p:cSld name="Vide">
     <p:spTree>
       <p:nvGrpSpPr>
@@ -1876,9 +2397,9 @@
           <a:bodyPr/>
           <a:lstStyle/>
           <a:p>
-            <a:fld id="{47DE0A5F-0FEF-7744-9DCB-8BFA10EB0528}" type="datetimeFigureOut">
-              <a:rPr lang="fr-FR" smtClean="0"/>
-              <a:t>28/04/11</a:t>
+            <a:fld id="{BC6BB3F2-A275-DA47-A086-320CAC8D9DE4}" type="datetime1">
+              <a:rPr lang="en-US" smtClean="0"/>
+              <a:t>4/28/11</a:t>
             </a:fld>
             <a:endParaRPr lang="fr-FR"/>
           </a:p>
@@ -1935,7 +2456,7 @@
 </file>
 
 <file path=ppt/slideLayouts/slideLayout8.xml><?xml version="1.0" encoding="utf-8"?>
-<p:sldLayout xmlns:a="http://schemas.openxmlformats.org/drawingml/2006/main" xmlns:r="http://schemas.openxmlformats.org/officeDocument/2006/relationships" xmlns:mc="http://schemas.openxmlformats.org/markup-compatibility/2006" xmlns:mv="urn:schemas-microsoft-com:mac:vml" xmlns:p="http://schemas.openxmlformats.org/presentationml/2006/main" mc:Ignorable="mv" mc:PreserveAttributes="mv:*" type="objTx" preserve="1">
+<p:sldLayout xmlns:a="http://schemas.openxmlformats.org/drawingml/2006/main" xmlns:r="http://schemas.openxmlformats.org/officeDocument/2006/relationships" xmlns:p="http://schemas.openxmlformats.org/presentationml/2006/main" type="objTx" preserve="1">
   <p:cSld name="Contenu avec légende">
     <p:spTree>
       <p:nvGrpSpPr>
@@ -2134,9 +2655,9 @@
           <a:bodyPr/>
           <a:lstStyle/>
           <a:p>
-            <a:fld id="{47DE0A5F-0FEF-7744-9DCB-8BFA10EB0528}" type="datetimeFigureOut">
-              <a:rPr lang="fr-FR" smtClean="0"/>
-              <a:t>28/04/11</a:t>
+            <a:fld id="{8A20AC6A-1C98-DF45-BBC6-85FA9D43F761}" type="datetime1">
+              <a:rPr lang="en-US" smtClean="0"/>
+              <a:t>4/28/11</a:t>
             </a:fld>
             <a:endParaRPr lang="fr-FR"/>
           </a:p>
@@ -2193,7 +2714,7 @@
 </file>
 
 <file path=ppt/slideLayouts/slideLayout9.xml><?xml version="1.0" encoding="utf-8"?>
-<p:sldLayout xmlns:a="http://schemas.openxmlformats.org/drawingml/2006/main" xmlns:r="http://schemas.openxmlformats.org/officeDocument/2006/relationships" xmlns:mc="http://schemas.openxmlformats.org/markup-compatibility/2006" xmlns:mv="urn:schemas-microsoft-com:mac:vml" xmlns:p="http://schemas.openxmlformats.org/presentationml/2006/main" mc:Ignorable="mv" mc:PreserveAttributes="mv:*" type="picTx" preserve="1">
+<p:sldLayout xmlns:a="http://schemas.openxmlformats.org/drawingml/2006/main" xmlns:r="http://schemas.openxmlformats.org/officeDocument/2006/relationships" xmlns:p="http://schemas.openxmlformats.org/presentationml/2006/main" type="picTx" preserve="1">
   <p:cSld name="Image avec légende">
     <p:spTree>
       <p:nvGrpSpPr>
@@ -2398,9 +2919,9 @@
           <a:bodyPr/>
           <a:lstStyle/>
           <a:p>
-            <a:fld id="{47DE0A5F-0FEF-7744-9DCB-8BFA10EB0528}" type="datetimeFigureOut">
-              <a:rPr lang="fr-FR" smtClean="0"/>
-              <a:t>28/04/11</a:t>
+            <a:fld id="{C0C172EB-0676-AD4E-9874-60754C4423A8}" type="datetime1">
+              <a:rPr lang="en-US" smtClean="0"/>
+              <a:t>4/28/11</a:t>
             </a:fld>
             <a:endParaRPr lang="fr-FR"/>
           </a:p>
@@ -2457,7 +2978,7 @@
 </file>
 
 <file path=ppt/slideMasters/slideMaster1.xml><?xml version="1.0" encoding="utf-8"?>
-<p:sldMaster xmlns:a="http://schemas.openxmlformats.org/drawingml/2006/main" xmlns:r="http://schemas.openxmlformats.org/officeDocument/2006/relationships" xmlns:mc="http://schemas.openxmlformats.org/markup-compatibility/2006" xmlns:mv="urn:schemas-microsoft-com:mac:vml" xmlns:p="http://schemas.openxmlformats.org/presentationml/2006/main" mc:Ignorable="mv" mc:PreserveAttributes="mv:*">
+<p:sldMaster xmlns:a="http://schemas.openxmlformats.org/drawingml/2006/main" xmlns:r="http://schemas.openxmlformats.org/officeDocument/2006/relationships" xmlns:p="http://schemas.openxmlformats.org/presentationml/2006/main">
   <p:cSld>
     <p:bg>
       <p:bgRef idx="1001">
@@ -2615,9 +3136,9 @@
             </a:lvl1pPr>
           </a:lstStyle>
           <a:p>
-            <a:fld id="{47DE0A5F-0FEF-7744-9DCB-8BFA10EB0528}" type="datetimeFigureOut">
-              <a:rPr lang="fr-FR" smtClean="0"/>
-              <a:t>28/04/11</a:t>
+            <a:fld id="{07D5E195-4B24-B74B-AD34-D80D1F6AEB9E}" type="datetime1">
+              <a:rPr lang="en-US" smtClean="0"/>
+              <a:t>4/28/11</a:t>
             </a:fld>
             <a:endParaRPr lang="fr-FR"/>
           </a:p>
@@ -2705,18 +3226,19 @@
   </p:cSld>
   <p:clrMap bg1="dk1" tx1="lt1" bg2="dk2" tx2="lt2" accent1="accent1" accent2="accent2" accent3="accent3" accent4="accent4" accent5="accent5" accent6="accent6" hlink="hlink" folHlink="folHlink"/>
   <p:sldLayoutIdLst>
-    <p:sldLayoutId r:id="rId1"/>
-    <p:sldLayoutId r:id="rId2"/>
-    <p:sldLayoutId r:id="rId3"/>
-    <p:sldLayoutId r:id="rId4"/>
-    <p:sldLayoutId r:id="rId5"/>
-    <p:sldLayoutId r:id="rId6"/>
-    <p:sldLayoutId r:id="rId7"/>
-    <p:sldLayoutId r:id="rId8"/>
-    <p:sldLayoutId r:id="rId9"/>
-    <p:sldLayoutId r:id="rId10"/>
-    <p:sldLayoutId r:id="rId11"/>
+    <p:sldLayoutId id="2147483649" r:id="rId1"/>
+    <p:sldLayoutId id="2147483650" r:id="rId2"/>
+    <p:sldLayoutId id="2147483651" r:id="rId3"/>
+    <p:sldLayoutId id="2147483652" r:id="rId4"/>
+    <p:sldLayoutId id="2147483653" r:id="rId5"/>
+    <p:sldLayoutId id="2147483654" r:id="rId6"/>
+    <p:sldLayoutId id="2147483655" r:id="rId7"/>
+    <p:sldLayoutId id="2147483656" r:id="rId8"/>
+    <p:sldLayoutId id="2147483657" r:id="rId9"/>
+    <p:sldLayoutId id="2147483658" r:id="rId10"/>
+    <p:sldLayoutId id="2147483659" r:id="rId11"/>
   </p:sldLayoutIdLst>
+  <p:hf hdr="0" ftr="0" dt="0"/>
   <p:txStyles>
     <p:titleStyle>
       <a:lvl1pPr algn="ctr" rtl="0" eaLnBrk="1" latinLnBrk="0" hangingPunct="1">
@@ -3031,7 +3553,7 @@
 </file>
 
 <file path=ppt/slides/slide1.xml><?xml version="1.0" encoding="utf-8"?>
-<p:sld xmlns:a="http://schemas.openxmlformats.org/drawingml/2006/main" xmlns:r="http://schemas.openxmlformats.org/officeDocument/2006/relationships" xmlns:mc="http://schemas.openxmlformats.org/markup-compatibility/2006" xmlns:mv="urn:schemas-microsoft-com:mac:vml" xmlns:p="http://schemas.openxmlformats.org/presentationml/2006/main" mc:Ignorable="mv" mc:PreserveAttributes="mv:*">
+<p:sld xmlns:a="http://schemas.openxmlformats.org/drawingml/2006/main" xmlns:r="http://schemas.openxmlformats.org/officeDocument/2006/relationships" xmlns:p="http://schemas.openxmlformats.org/presentationml/2006/main">
   <p:cSld>
     <p:spTree>
       <p:nvGrpSpPr>
@@ -3101,6 +3623,30 @@
           </a:p>
         </p:txBody>
       </p:sp>
+      <p:sp>
+        <p:nvSpPr>
+          <p:cNvPr id="4" name="Slide Number Placeholder 3"/>
+          <p:cNvSpPr>
+            <a:spLocks noGrp="1"/>
+          </p:cNvSpPr>
+          <p:nvPr>
+            <p:ph type="sldNum" sz="quarter" idx="12"/>
+          </p:nvPr>
+        </p:nvSpPr>
+        <p:spPr/>
+        <p:txBody>
+          <a:bodyPr/>
+          <a:lstStyle/>
+          <a:p>
+            <a:fld id="{9648F39E-9C37-485F-AC97-16BB4BDF9F49}" type="slidenum">
+              <a:rPr kumimoji="0" lang="en-US" smtClean="0"/>
+              <a:pPr/>
+              <a:t>1</a:t>
+            </a:fld>
+            <a:endParaRPr kumimoji="0" lang="en-US"/>
+          </a:p>
+        </p:txBody>
+      </p:sp>
     </p:spTree>
   </p:cSld>
   <p:clrMapOvr>
@@ -3109,7 +3655,7 @@
   <p:timing>
     <p:tnLst>
       <p:par>
-        <p:cTn id="1" dur="indefinite" restart="never" nodeType="tmRoot"/>
+        <p:cTn xmlns:p14="http://schemas.microsoft.com/office/powerpoint/2010/main" id="1" dur="indefinite" restart="never" nodeType="tmRoot"/>
       </p:par>
     </p:tnLst>
   </p:timing>
@@ -3117,7 +3663,7 @@
 </file>
 
 <file path=ppt/slides/slide10.xml><?xml version="1.0" encoding="utf-8"?>
-<p:sld xmlns:a="http://schemas.openxmlformats.org/drawingml/2006/main" xmlns:r="http://schemas.openxmlformats.org/officeDocument/2006/relationships" xmlns:mc="http://schemas.openxmlformats.org/markup-compatibility/2006" xmlns:mv="urn:schemas-microsoft-com:mac:vml" xmlns:p="http://schemas.openxmlformats.org/presentationml/2006/main" mc:Ignorable="mv" mc:PreserveAttributes="mv:*">
+<p:sld xmlns:a="http://schemas.openxmlformats.org/drawingml/2006/main" xmlns:r="http://schemas.openxmlformats.org/officeDocument/2006/relationships" xmlns:p="http://schemas.openxmlformats.org/presentationml/2006/main">
   <p:cSld>
     <p:spTree>
       <p:nvGrpSpPr>
@@ -3150,43 +3696,55 @@
           <a:p>
             <a:r>
               <a:rPr lang="fr-FR" dirty="0" smtClean="0"/>
-              <a:t>Éclairage Global</a:t>
+              <a:t>Éclairage direct</a:t>
             </a:r>
             <a:endParaRPr lang="fr-FR" dirty="0"/>
           </a:p>
         </p:txBody>
       </p:sp>
-      <p:sp>
-        <p:nvSpPr>
-          <p:cNvPr id="3" name="Espace réservé du contenu 2"/>
-          <p:cNvSpPr>
-            <a:spLocks noGrp="1"/>
-          </p:cNvSpPr>
+      <p:pic>
+        <p:nvPicPr>
+          <p:cNvPr id="5" name="Espace réservé du contenu 4" descr="path_tracing_no_indirect_illumination.png"/>
+          <p:cNvPicPr>
+            <a:picLocks noGrp="1" noChangeAspect="1"/>
+          </p:cNvPicPr>
           <p:nvPr>
             <p:ph idx="1"/>
           </p:nvPr>
-        </p:nvSpPr>
-        <p:spPr/>
-        <p:txBody>
-          <a:bodyPr/>
-          <a:lstStyle/>
-          <a:p>
-            <a:r>
-              <a:rPr lang="fr-FR" dirty="0" err="1" smtClean="0"/>
-              <a:t>Path</a:t>
-            </a:r>
-            <a:r>
-              <a:rPr lang="fr-FR" dirty="0" smtClean="0"/>
-              <a:t> </a:t>
-            </a:r>
-            <a:r>
-              <a:rPr lang="fr-FR" dirty="0" err="1" smtClean="0"/>
-              <a:t>Tracing</a:t>
-            </a:r>
-            <a:r>
-              <a:rPr lang="fr-FR" dirty="0" smtClean="0"/>
-              <a:t> Stochastique :</a:t>
-            </a:r>
+        </p:nvPicPr>
+        <p:blipFill>
+          <a:blip r:embed="rId2"/>
+          <a:stretch>
+            <a:fillRect/>
+          </a:stretch>
+        </p:blipFill>
+        <p:spPr>
+          <a:xfrm>
+            <a:off x="2299455" y="1600200"/>
+            <a:ext cx="4545089" cy="4708525"/>
+          </a:xfrm>
+        </p:spPr>
+      </p:pic>
+      <p:sp>
+        <p:nvSpPr>
+          <p:cNvPr id="3" name="Slide Number Placeholder 2"/>
+          <p:cNvSpPr>
+            <a:spLocks noGrp="1"/>
+          </p:cNvSpPr>
+          <p:nvPr>
+            <p:ph type="sldNum" sz="quarter" idx="12"/>
+          </p:nvPr>
+        </p:nvSpPr>
+        <p:spPr/>
+        <p:txBody>
+          <a:bodyPr/>
+          <a:lstStyle/>
+          <a:p>
+            <a:fld id="{B8CCFB4A-676A-624E-8305-EB10BE2C8F51}" type="slidenum">
+              <a:rPr lang="fr-FR" smtClean="0"/>
+              <a:t>10</a:t>
+            </a:fld>
+            <a:endParaRPr lang="fr-FR"/>
           </a:p>
         </p:txBody>
       </p:sp>
@@ -3198,7 +3756,7 @@
   <p:timing>
     <p:tnLst>
       <p:par>
-        <p:cTn id="1" dur="indefinite" restart="never" nodeType="tmRoot"/>
+        <p:cTn xmlns:p14="http://schemas.microsoft.com/office/powerpoint/2010/main" id="1" dur="indefinite" restart="never" nodeType="tmRoot"/>
       </p:par>
     </p:tnLst>
   </p:timing>
@@ -3206,7 +3764,7 @@
 </file>
 
 <file path=ppt/slides/slide11.xml><?xml version="1.0" encoding="utf-8"?>
-<p:sld xmlns:a="http://schemas.openxmlformats.org/drawingml/2006/main" xmlns:r="http://schemas.openxmlformats.org/officeDocument/2006/relationships" xmlns:mc="http://schemas.openxmlformats.org/markup-compatibility/2006" xmlns:mv="urn:schemas-microsoft-com:mac:vml" xmlns:p="http://schemas.openxmlformats.org/presentationml/2006/main" mc:Ignorable="mv" mc:PreserveAttributes="mv:*">
+<p:sld xmlns:a="http://schemas.openxmlformats.org/drawingml/2006/main" xmlns:r="http://schemas.openxmlformats.org/officeDocument/2006/relationships" xmlns:p="http://schemas.openxmlformats.org/presentationml/2006/main">
   <p:cSld>
     <p:spTree>
       <p:nvGrpSpPr>
@@ -3239,7 +3797,7 @@
           <a:p>
             <a:r>
               <a:rPr lang="fr-FR" dirty="0" smtClean="0"/>
-              <a:t>Éclairage direct</a:t>
+              <a:t>Éclairage Indirect</a:t>
             </a:r>
             <a:endParaRPr lang="fr-FR" dirty="0"/>
           </a:p>
@@ -3247,7 +3805,7 @@
       </p:sp>
       <p:pic>
         <p:nvPicPr>
-          <p:cNvPr id="5" name="Espace réservé du contenu 4" descr="path_tracing_no_indirect_illumination.png"/>
+          <p:cNvPr id="4" name="Espace réservé du contenu 3" descr="GI-Indirect-Illumination.png"/>
           <p:cNvPicPr>
             <a:picLocks noGrp="1" noChangeAspect="1"/>
           </p:cNvPicPr>
@@ -3263,11 +3821,34 @@
         </p:blipFill>
         <p:spPr>
           <a:xfrm>
-            <a:off x="2299455" y="1600200"/>
-            <a:ext cx="4545089" cy="4708525"/>
+            <a:off x="1928617" y="1600200"/>
+            <a:ext cx="5286765" cy="4708525"/>
           </a:xfrm>
         </p:spPr>
       </p:pic>
+      <p:sp>
+        <p:nvSpPr>
+          <p:cNvPr id="3" name="Slide Number Placeholder 2"/>
+          <p:cNvSpPr>
+            <a:spLocks noGrp="1"/>
+          </p:cNvSpPr>
+          <p:nvPr>
+            <p:ph type="sldNum" sz="quarter" idx="12"/>
+          </p:nvPr>
+        </p:nvSpPr>
+        <p:spPr/>
+        <p:txBody>
+          <a:bodyPr/>
+          <a:lstStyle/>
+          <a:p>
+            <a:fld id="{B8CCFB4A-676A-624E-8305-EB10BE2C8F51}" type="slidenum">
+              <a:rPr lang="fr-FR" smtClean="0"/>
+              <a:t>11</a:t>
+            </a:fld>
+            <a:endParaRPr lang="fr-FR"/>
+          </a:p>
+        </p:txBody>
+      </p:sp>
     </p:spTree>
   </p:cSld>
   <p:clrMapOvr>
@@ -3276,7 +3857,7 @@
   <p:timing>
     <p:tnLst>
       <p:par>
-        <p:cTn id="1" dur="indefinite" restart="never" nodeType="tmRoot"/>
+        <p:cTn xmlns:p14="http://schemas.microsoft.com/office/powerpoint/2010/main" id="1" dur="indefinite" restart="never" nodeType="tmRoot"/>
       </p:par>
     </p:tnLst>
   </p:timing>
@@ -3284,7 +3865,7 @@
 </file>
 
 <file path=ppt/slides/slide12.xml><?xml version="1.0" encoding="utf-8"?>
-<p:sld xmlns:a="http://schemas.openxmlformats.org/drawingml/2006/main" xmlns:r="http://schemas.openxmlformats.org/officeDocument/2006/relationships" xmlns:mc="http://schemas.openxmlformats.org/markup-compatibility/2006" xmlns:mv="urn:schemas-microsoft-com:mac:vml" xmlns:p="http://schemas.openxmlformats.org/presentationml/2006/main" mc:Ignorable="mv" mc:PreserveAttributes="mv:*">
+<p:sld xmlns:a="http://schemas.openxmlformats.org/drawingml/2006/main" xmlns:r="http://schemas.openxmlformats.org/officeDocument/2006/relationships" xmlns:p="http://schemas.openxmlformats.org/presentationml/2006/main">
   <p:cSld>
     <p:spTree>
       <p:nvGrpSpPr>
@@ -3317,7 +3898,7 @@
           <a:p>
             <a:r>
               <a:rPr lang="fr-FR" dirty="0" smtClean="0"/>
-              <a:t>Éclairage Indirect</a:t>
+              <a:t>Bonus</a:t>
             </a:r>
             <a:endParaRPr lang="fr-FR" dirty="0"/>
           </a:p>
@@ -3325,7 +3906,7 @@
       </p:sp>
       <p:pic>
         <p:nvPicPr>
-          <p:cNvPr id="4" name="Espace réservé du contenu 3" descr="GI-Indirect-Illumination.png"/>
+          <p:cNvPr id="4" name="Espace réservé du contenu 3" descr="bonus2.png"/>
           <p:cNvPicPr>
             <a:picLocks noGrp="1" noChangeAspect="1"/>
           </p:cNvPicPr>
@@ -3333,19 +3914,41 @@
             <p:ph idx="1"/>
           </p:nvPr>
         </p:nvPicPr>
-        <p:blipFill>
+        <p:blipFill rotWithShape="1">
           <a:blip r:embed="rId2"/>
-          <a:stretch>
-            <a:fillRect/>
-          </a:stretch>
+          <a:srcRect t="5100"/>
+          <a:stretch/>
         </p:blipFill>
         <p:spPr>
           <a:xfrm>
-            <a:off x="1928617" y="1600200"/>
-            <a:ext cx="5286765" cy="4708525"/>
+            <a:off x="611560" y="1111785"/>
+            <a:ext cx="8256445" cy="5192939"/>
           </a:xfrm>
         </p:spPr>
       </p:pic>
+      <p:sp>
+        <p:nvSpPr>
+          <p:cNvPr id="3" name="Slide Number Placeholder 2"/>
+          <p:cNvSpPr>
+            <a:spLocks noGrp="1"/>
+          </p:cNvSpPr>
+          <p:nvPr>
+            <p:ph type="sldNum" sz="quarter" idx="12"/>
+          </p:nvPr>
+        </p:nvSpPr>
+        <p:spPr/>
+        <p:txBody>
+          <a:bodyPr/>
+          <a:lstStyle/>
+          <a:p>
+            <a:fld id="{B8CCFB4A-676A-624E-8305-EB10BE2C8F51}" type="slidenum">
+              <a:rPr lang="fr-FR" smtClean="0"/>
+              <a:t>12</a:t>
+            </a:fld>
+            <a:endParaRPr lang="fr-FR"/>
+          </a:p>
+        </p:txBody>
+      </p:sp>
     </p:spTree>
   </p:cSld>
   <p:clrMapOvr>
@@ -3354,15 +3957,15 @@
   <p:timing>
     <p:tnLst>
       <p:par>
-        <p:cTn id="1" dur="indefinite" restart="never" nodeType="tmRoot"/>
+        <p:cTn xmlns:p14="http://schemas.microsoft.com/office/powerpoint/2010/main" id="1" dur="indefinite" restart="never" nodeType="tmRoot"/>
       </p:par>
     </p:tnLst>
   </p:timing>
 </p:sld>
 </file>
 
-<file path=ppt/slides/slide13.xml><?xml version="1.0" encoding="utf-8"?>
-<p:sld xmlns:a="http://schemas.openxmlformats.org/drawingml/2006/main" xmlns:r="http://schemas.openxmlformats.org/officeDocument/2006/relationships" xmlns:mc="http://schemas.openxmlformats.org/markup-compatibility/2006" xmlns:mv="urn:schemas-microsoft-com:mac:vml" xmlns:p="http://schemas.openxmlformats.org/presentationml/2006/main" mc:Ignorable="mv" mc:PreserveAttributes="mv:*">
+<file path=ppt/slides/slide2.xml><?xml version="1.0" encoding="utf-8"?>
+<p:sld xmlns:a="http://schemas.openxmlformats.org/drawingml/2006/main" xmlns:r="http://schemas.openxmlformats.org/officeDocument/2006/relationships" xmlns:p="http://schemas.openxmlformats.org/presentationml/2006/main">
   <p:cSld>
     <p:spTree>
       <p:nvGrpSpPr>
@@ -3397,35 +4000,150 @@
           <a:p>
             <a:r>
               <a:rPr lang="fr-FR" dirty="0" smtClean="0"/>
+              <a:t>Rendu en lancer de rayon</a:t>
+            </a:r>
+            <a:endParaRPr lang="fr-FR" dirty="0"/>
+          </a:p>
+        </p:txBody>
+      </p:sp>
+      <p:sp>
+        <p:nvSpPr>
+          <p:cNvPr id="3" name="Espace réservé du contenu 2"/>
+          <p:cNvSpPr>
+            <a:spLocks noGrp="1"/>
+          </p:cNvSpPr>
+          <p:nvPr>
+            <p:ph idx="1"/>
+          </p:nvPr>
+        </p:nvSpPr>
+        <p:spPr/>
+        <p:txBody>
+          <a:bodyPr>
+            <a:normAutofit lnSpcReduction="10000"/>
+          </a:bodyPr>
+          <a:lstStyle/>
+          <a:p>
+            <a:r>
+              <a:rPr lang="fr-FR" dirty="0" smtClean="0"/>
+              <a:t>Éclairage Direct</a:t>
+            </a:r>
+          </a:p>
+          <a:p>
+            <a:pPr lvl="1"/>
+            <a:r>
+              <a:rPr lang="fr-FR" dirty="0" smtClean="0"/>
+              <a:t>BRDF de </a:t>
+            </a:r>
+            <a:r>
+              <a:rPr lang="fr-FR" dirty="0" err="1" smtClean="0"/>
+              <a:t>Phong</a:t>
+            </a:r>
+            <a:endParaRPr lang="fr-FR" dirty="0" smtClean="0"/>
+          </a:p>
+          <a:p>
+            <a:pPr lvl="1"/>
+            <a:r>
+              <a:rPr lang="fr-FR" dirty="0" smtClean="0"/>
+              <a:t>Ombres Dures</a:t>
+            </a:r>
+          </a:p>
+          <a:p>
+            <a:pPr lvl="1"/>
+            <a:r>
+              <a:rPr lang="fr-FR" dirty="0" smtClean="0"/>
+              <a:t>Ombres Douces</a:t>
+            </a:r>
+          </a:p>
+          <a:p>
+            <a:pPr lvl="1"/>
+            <a:r>
+              <a:rPr lang="fr-FR" dirty="0" err="1" smtClean="0"/>
+              <a:t>Ambient</a:t>
+            </a:r>
+            <a:r>
+              <a:rPr lang="fr-FR" dirty="0" smtClean="0"/>
+              <a:t> Occlusion</a:t>
+            </a:r>
+          </a:p>
+          <a:p>
+            <a:pPr lvl="1"/>
+            <a:r>
+              <a:rPr lang="fr-FR" dirty="0" err="1" smtClean="0"/>
+              <a:t>Anti-aliasing</a:t>
+            </a:r>
+            <a:endParaRPr lang="fr-FR" dirty="0" smtClean="0"/>
+          </a:p>
+          <a:p>
+            <a:r>
+              <a:rPr lang="fr-FR" dirty="0" smtClean="0"/>
+              <a:t>Éclairage Global</a:t>
+            </a:r>
+          </a:p>
+          <a:p>
+            <a:pPr lvl="1"/>
+            <a:r>
+              <a:rPr lang="fr-FR" dirty="0" err="1" smtClean="0"/>
+              <a:t>Path</a:t>
+            </a:r>
+            <a:r>
+              <a:rPr lang="fr-FR" dirty="0" smtClean="0"/>
+              <a:t> </a:t>
+            </a:r>
+            <a:r>
+              <a:rPr lang="fr-FR" dirty="0" err="1" smtClean="0"/>
+              <a:t>Tracing</a:t>
+            </a:r>
+            <a:r>
+              <a:rPr lang="fr-FR" dirty="0" smtClean="0"/>
+              <a:t> Stochastique</a:t>
+            </a:r>
+          </a:p>
+          <a:p>
+            <a:pPr lvl="1"/>
+            <a:r>
+              <a:rPr lang="fr-FR" dirty="0" smtClean="0"/>
+              <a:t>Éclairage Direct</a:t>
+            </a:r>
+          </a:p>
+          <a:p>
+            <a:pPr lvl="1"/>
+            <a:r>
+              <a:rPr lang="fr-FR" dirty="0" smtClean="0"/>
+              <a:t>Éclairage Indirect</a:t>
+            </a:r>
+          </a:p>
+          <a:p>
+            <a:pPr lvl="1"/>
+            <a:r>
+              <a:rPr lang="fr-FR" dirty="0" smtClean="0"/>
               <a:t>Bonus</a:t>
             </a:r>
-            <a:endParaRPr lang="fr-FR" dirty="0"/>
-          </a:p>
-        </p:txBody>
-      </p:sp>
-      <p:pic>
-        <p:nvPicPr>
-          <p:cNvPr id="4" name="Espace réservé du contenu 3" descr="bonus.png"/>
-          <p:cNvPicPr>
-            <a:picLocks noGrp="1" noChangeAspect="1"/>
-          </p:cNvPicPr>
-          <p:nvPr>
-            <p:ph idx="1"/>
-          </p:nvPr>
-        </p:nvPicPr>
-        <p:blipFill>
-          <a:blip r:embed="rId2"/>
-          <a:stretch>
-            <a:fillRect/>
-          </a:stretch>
-        </p:blipFill>
-        <p:spPr>
-          <a:xfrm>
-            <a:off x="457200" y="1823584"/>
-            <a:ext cx="8229600" cy="4261757"/>
-          </a:xfrm>
-        </p:spPr>
-      </p:pic>
+          </a:p>
+        </p:txBody>
+      </p:sp>
+      <p:sp>
+        <p:nvSpPr>
+          <p:cNvPr id="4" name="Slide Number Placeholder 3"/>
+          <p:cNvSpPr>
+            <a:spLocks noGrp="1"/>
+          </p:cNvSpPr>
+          <p:nvPr>
+            <p:ph type="sldNum" sz="quarter" idx="12"/>
+          </p:nvPr>
+        </p:nvSpPr>
+        <p:spPr/>
+        <p:txBody>
+          <a:bodyPr/>
+          <a:lstStyle/>
+          <a:p>
+            <a:fld id="{B8CCFB4A-676A-624E-8305-EB10BE2C8F51}" type="slidenum">
+              <a:rPr lang="fr-FR" smtClean="0"/>
+              <a:t>2</a:t>
+            </a:fld>
+            <a:endParaRPr lang="fr-FR"/>
+          </a:p>
+        </p:txBody>
+      </p:sp>
     </p:spTree>
   </p:cSld>
   <p:clrMapOvr>
@@ -3434,15 +4152,15 @@
   <p:timing>
     <p:tnLst>
       <p:par>
-        <p:cTn id="1" dur="indefinite" restart="never" nodeType="tmRoot"/>
+        <p:cTn xmlns:p14="http://schemas.microsoft.com/office/powerpoint/2010/main" id="1" dur="indefinite" restart="never" nodeType="tmRoot"/>
       </p:par>
     </p:tnLst>
   </p:timing>
 </p:sld>
 </file>
 
-<file path=ppt/slides/slide14.xml><?xml version="1.0" encoding="utf-8"?>
-<p:sld xmlns:a="http://schemas.openxmlformats.org/drawingml/2006/main" xmlns:r="http://schemas.openxmlformats.org/officeDocument/2006/relationships" xmlns:mc="http://schemas.openxmlformats.org/markup-compatibility/2006" xmlns:mv="urn:schemas-microsoft-com:mac:vml" xmlns:p="http://schemas.openxmlformats.org/presentationml/2006/main" mc:Ignorable="mv" mc:PreserveAttributes="mv:*">
+<file path=ppt/slides/slide3.xml><?xml version="1.0" encoding="utf-8"?>
+<p:sld xmlns:a="http://schemas.openxmlformats.org/drawingml/2006/main" xmlns:r="http://schemas.openxmlformats.org/officeDocument/2006/relationships" xmlns:p="http://schemas.openxmlformats.org/presentationml/2006/main">
   <p:cSld>
     <p:spTree>
       <p:nvGrpSpPr>
@@ -3475,7 +4193,11 @@
           <a:p>
             <a:r>
               <a:rPr lang="fr-FR" dirty="0" smtClean="0"/>
-              <a:t>Bonus</a:t>
+              <a:t>BRDF de </a:t>
+            </a:r>
+            <a:r>
+              <a:rPr lang="fr-FR" dirty="0" err="1" smtClean="0"/>
+              <a:t>Phong</a:t>
             </a:r>
             <a:endParaRPr lang="fr-FR" dirty="0"/>
           </a:p>
@@ -3483,7 +4205,7 @@
       </p:sp>
       <p:pic>
         <p:nvPicPr>
-          <p:cNvPr id="4" name="Espace réservé du contenu 3" descr="bonus2.png"/>
+          <p:cNvPr id="4" name="Espace réservé du contenu 3" descr="BRDF-Phong.png"/>
           <p:cNvPicPr>
             <a:picLocks noGrp="1" noChangeAspect="1"/>
           </p:cNvPicPr>
@@ -3499,21 +4221,51 @@
         </p:blipFill>
         <p:spPr>
           <a:xfrm>
-            <a:off x="1019772" y="1600200"/>
-            <a:ext cx="7104456" cy="4708525"/>
+            <a:off x="1371619" y="1600200"/>
+            <a:ext cx="6400762" cy="4708525"/>
           </a:xfrm>
         </p:spPr>
       </p:pic>
+      <p:sp>
+        <p:nvSpPr>
+          <p:cNvPr id="3" name="Slide Number Placeholder 2"/>
+          <p:cNvSpPr>
+            <a:spLocks noGrp="1"/>
+          </p:cNvSpPr>
+          <p:nvPr>
+            <p:ph type="sldNum" sz="quarter" idx="12"/>
+          </p:nvPr>
+        </p:nvSpPr>
+        <p:spPr/>
+        <p:txBody>
+          <a:bodyPr/>
+          <a:lstStyle/>
+          <a:p>
+            <a:fld id="{B8CCFB4A-676A-624E-8305-EB10BE2C8F51}" type="slidenum">
+              <a:rPr lang="fr-FR" smtClean="0"/>
+              <a:t>3</a:t>
+            </a:fld>
+            <a:endParaRPr lang="fr-FR"/>
+          </a:p>
+        </p:txBody>
+      </p:sp>
     </p:spTree>
   </p:cSld>
   <p:clrMapOvr>
     <a:masterClrMapping/>
   </p:clrMapOvr>
+  <p:timing>
+    <p:tnLst>
+      <p:par>
+        <p:cTn xmlns:p14="http://schemas.microsoft.com/office/powerpoint/2010/main" id="1" dur="indefinite" restart="never" nodeType="tmRoot"/>
+      </p:par>
+    </p:tnLst>
+  </p:timing>
 </p:sld>
 </file>
 
-<file path=ppt/slides/slide2.xml><?xml version="1.0" encoding="utf-8"?>
-<p:sld xmlns:a="http://schemas.openxmlformats.org/drawingml/2006/main" xmlns:r="http://schemas.openxmlformats.org/officeDocument/2006/relationships" xmlns:mc="http://schemas.openxmlformats.org/markup-compatibility/2006" xmlns:mv="urn:schemas-microsoft-com:mac:vml" xmlns:p="http://schemas.openxmlformats.org/presentationml/2006/main" mc:Ignorable="mv" mc:PreserveAttributes="mv:*">
+<file path=ppt/slides/slide4.xml><?xml version="1.0" encoding="utf-8"?>
+<p:sld xmlns:a="http://schemas.openxmlformats.org/drawingml/2006/main" xmlns:r="http://schemas.openxmlformats.org/officeDocument/2006/relationships" xmlns:p="http://schemas.openxmlformats.org/presentationml/2006/main">
   <p:cSld>
     <p:spTree>
       <p:nvGrpSpPr>
@@ -3541,149 +4293,60 @@
         </p:nvSpPr>
         <p:spPr/>
         <p:txBody>
-          <a:bodyPr>
-            <a:normAutofit/>
-          </a:bodyPr>
+          <a:bodyPr/>
           <a:lstStyle/>
           <a:p>
             <a:r>
               <a:rPr lang="fr-FR" dirty="0" smtClean="0"/>
-              <a:t>R</a:t>
-            </a:r>
-            <a:r>
-              <a:rPr lang="fr-FR" dirty="0" smtClean="0"/>
-              <a:t>endu en lancer de rayon</a:t>
+              <a:t>Ombres dures</a:t>
             </a:r>
             <a:endParaRPr lang="fr-FR" dirty="0"/>
           </a:p>
         </p:txBody>
       </p:sp>
-      <p:sp>
-        <p:nvSpPr>
-          <p:cNvPr id="3" name="Espace réservé du contenu 2"/>
-          <p:cNvSpPr>
-            <a:spLocks noGrp="1"/>
-          </p:cNvSpPr>
+      <p:pic>
+        <p:nvPicPr>
+          <p:cNvPr id="4" name="Espace réservé du contenu 3" descr="Ombres-Dures.png"/>
+          <p:cNvPicPr>
+            <a:picLocks noGrp="1" noChangeAspect="1"/>
+          </p:cNvPicPr>
           <p:nvPr>
             <p:ph idx="1"/>
           </p:nvPr>
-        </p:nvSpPr>
-        <p:spPr/>
-        <p:txBody>
-          <a:bodyPr>
-            <a:normAutofit fontScale="92500"/>
-          </a:bodyPr>
-          <a:lstStyle/>
-          <a:p>
-            <a:r>
-              <a:rPr lang="fr-FR" dirty="0" smtClean="0"/>
-              <a:t>Éclairage Direct</a:t>
-            </a:r>
-          </a:p>
-          <a:p>
-            <a:pPr lvl="1"/>
-            <a:r>
-              <a:rPr lang="fr-FR" dirty="0" smtClean="0"/>
-              <a:t>BRDF de </a:t>
-            </a:r>
-            <a:r>
-              <a:rPr lang="fr-FR" dirty="0" err="1" smtClean="0"/>
-              <a:t>Phong</a:t>
-            </a:r>
-            <a:endParaRPr lang="fr-FR" dirty="0" smtClean="0"/>
-          </a:p>
-          <a:p>
-            <a:pPr lvl="1"/>
-            <a:r>
-              <a:rPr lang="fr-FR" dirty="0" smtClean="0"/>
-              <a:t>Ombres</a:t>
-            </a:r>
-            <a:r>
-              <a:rPr lang="fr-FR" dirty="0" smtClean="0"/>
-              <a:t> Dures</a:t>
-            </a:r>
-            <a:endParaRPr lang="fr-FR" dirty="0" smtClean="0"/>
-          </a:p>
-          <a:p>
-            <a:pPr lvl="1"/>
-            <a:r>
-              <a:rPr lang="fr-FR" dirty="0" smtClean="0"/>
-              <a:t>Ombres</a:t>
-            </a:r>
-            <a:r>
-              <a:rPr lang="fr-FR" dirty="0" smtClean="0"/>
-              <a:t> Douces</a:t>
-            </a:r>
-            <a:endParaRPr lang="fr-FR" dirty="0" smtClean="0"/>
-          </a:p>
-          <a:p>
-            <a:pPr lvl="1"/>
-            <a:r>
-              <a:rPr lang="fr-FR" dirty="0" err="1" smtClean="0"/>
-              <a:t>Ambient</a:t>
-            </a:r>
-            <a:r>
-              <a:rPr lang="fr-FR" dirty="0" smtClean="0"/>
-              <a:t> Occlusion</a:t>
-            </a:r>
-          </a:p>
-          <a:p>
-            <a:pPr lvl="1"/>
-            <a:r>
-              <a:rPr lang="fr-FR" dirty="0" err="1" smtClean="0"/>
-              <a:t>Anti-</a:t>
-            </a:r>
-            <a:r>
-              <a:rPr lang="fr-FR" dirty="0" err="1" smtClean="0"/>
-              <a:t>aliasing</a:t>
-            </a:r>
-            <a:endParaRPr lang="fr-FR" dirty="0" smtClean="0"/>
-          </a:p>
-          <a:p>
-            <a:r>
-              <a:rPr lang="fr-FR" dirty="0" smtClean="0"/>
-              <a:t>Éclairage Global</a:t>
-            </a:r>
-          </a:p>
-          <a:p>
-            <a:pPr lvl="1"/>
-            <a:r>
-              <a:rPr lang="fr-FR" dirty="0" err="1" smtClean="0"/>
-              <a:t>Path</a:t>
-            </a:r>
-            <a:r>
-              <a:rPr lang="fr-FR" dirty="0" smtClean="0"/>
-              <a:t> </a:t>
-            </a:r>
-            <a:r>
-              <a:rPr lang="fr-FR" dirty="0" err="1" smtClean="0"/>
-              <a:t>Tracing</a:t>
-            </a:r>
-            <a:r>
-              <a:rPr lang="fr-FR" dirty="0" smtClean="0"/>
-              <a:t> Stochastique</a:t>
-            </a:r>
-          </a:p>
-          <a:p>
-            <a:pPr lvl="1"/>
-            <a:r>
-              <a:rPr lang="fr-FR" dirty="0" smtClean="0"/>
-              <a:t>Éclairage Direct</a:t>
-            </a:r>
-          </a:p>
-          <a:p>
-            <a:pPr lvl="1"/>
-            <a:r>
-              <a:rPr lang="fr-FR" dirty="0" smtClean="0"/>
-              <a:t>Éclairage Indirect</a:t>
-            </a:r>
-          </a:p>
-          <a:p>
-            <a:pPr lvl="1"/>
-            <a:r>
-              <a:rPr lang="fr-FR" dirty="0" smtClean="0"/>
-              <a:t>Bonus</a:t>
-            </a:r>
+        </p:nvPicPr>
+        <p:blipFill>
+          <a:blip r:embed="rId2"/>
+          <a:stretch>
+            <a:fillRect/>
+          </a:stretch>
+        </p:blipFill>
+        <p:spPr>
+          <a:xfrm>
+            <a:off x="891201" y="1600200"/>
+            <a:ext cx="7361598" cy="4708525"/>
+          </a:xfrm>
+        </p:spPr>
+      </p:pic>
+      <p:sp>
+        <p:nvSpPr>
+          <p:cNvPr id="3" name="Slide Number Placeholder 2"/>
+          <p:cNvSpPr>
+            <a:spLocks noGrp="1"/>
+          </p:cNvSpPr>
+          <p:nvPr>
+            <p:ph type="sldNum" sz="quarter" idx="12"/>
+          </p:nvPr>
+        </p:nvSpPr>
+        <p:spPr/>
+        <p:txBody>
+          <a:bodyPr/>
+          <a:lstStyle/>
+          <a:p>
+            <a:fld id="{B8CCFB4A-676A-624E-8305-EB10BE2C8F51}" type="slidenum">
+              <a:rPr lang="fr-FR" smtClean="0"/>
+              <a:t>4</a:t>
+            </a:fld>
+            <a:endParaRPr lang="fr-FR"/>
           </a:p>
         </p:txBody>
       </p:sp>
@@ -3695,15 +4358,15 @@
   <p:timing>
     <p:tnLst>
       <p:par>
-        <p:cTn id="1" dur="indefinite" restart="never" nodeType="tmRoot"/>
+        <p:cTn xmlns:p14="http://schemas.microsoft.com/office/powerpoint/2010/main" id="1" dur="indefinite" restart="never" nodeType="tmRoot"/>
       </p:par>
     </p:tnLst>
   </p:timing>
 </p:sld>
 </file>
 
-<file path=ppt/slides/slide3.xml><?xml version="1.0" encoding="utf-8"?>
-<p:sld xmlns:a="http://schemas.openxmlformats.org/drawingml/2006/main" xmlns:r="http://schemas.openxmlformats.org/officeDocument/2006/relationships" xmlns:mc="http://schemas.openxmlformats.org/markup-compatibility/2006" xmlns:mv="urn:schemas-microsoft-com:mac:vml" xmlns:p="http://schemas.openxmlformats.org/presentationml/2006/main" mc:Ignorable="mv" mc:PreserveAttributes="mv:*">
+<file path=ppt/slides/slide5.xml><?xml version="1.0" encoding="utf-8"?>
+<p:sld xmlns:a="http://schemas.openxmlformats.org/drawingml/2006/main" xmlns:r="http://schemas.openxmlformats.org/officeDocument/2006/relationships" xmlns:p="http://schemas.openxmlformats.org/presentationml/2006/main">
   <p:cSld>
     <p:spTree>
       <p:nvGrpSpPr>
@@ -3736,31 +4399,55 @@
           <a:p>
             <a:r>
               <a:rPr lang="fr-FR" dirty="0" smtClean="0"/>
-              <a:t>Éclairage Direct</a:t>
+              <a:t>Ombres douces</a:t>
             </a:r>
             <a:endParaRPr lang="fr-FR" dirty="0"/>
           </a:p>
         </p:txBody>
       </p:sp>
-      <p:sp>
-        <p:nvSpPr>
-          <p:cNvPr id="3" name="Espace réservé du contenu 2"/>
-          <p:cNvSpPr>
-            <a:spLocks noGrp="1"/>
-          </p:cNvSpPr>
+      <p:pic>
+        <p:nvPicPr>
+          <p:cNvPr id="4" name="Espace réservé du contenu 3" descr="Ombres-Douces.png"/>
+          <p:cNvPicPr>
+            <a:picLocks noGrp="1" noChangeAspect="1"/>
+          </p:cNvPicPr>
           <p:nvPr>
             <p:ph idx="1"/>
           </p:nvPr>
-        </p:nvSpPr>
-        <p:spPr/>
-        <p:txBody>
-          <a:bodyPr/>
-          <a:lstStyle/>
-          <a:p>
-            <a:pPr>
-              <a:buNone/>
-            </a:pPr>
-            <a:endParaRPr lang="fr-FR" dirty="0" smtClean="0"/>
+        </p:nvPicPr>
+        <p:blipFill>
+          <a:blip r:embed="rId2"/>
+          <a:stretch>
+            <a:fillRect/>
+          </a:stretch>
+        </p:blipFill>
+        <p:spPr>
+          <a:xfrm>
+            <a:off x="1593214" y="1600200"/>
+            <a:ext cx="5957571" cy="4708525"/>
+          </a:xfrm>
+        </p:spPr>
+      </p:pic>
+      <p:sp>
+        <p:nvSpPr>
+          <p:cNvPr id="3" name="Slide Number Placeholder 2"/>
+          <p:cNvSpPr>
+            <a:spLocks noGrp="1"/>
+          </p:cNvSpPr>
+          <p:nvPr>
+            <p:ph type="sldNum" sz="quarter" idx="12"/>
+          </p:nvPr>
+        </p:nvSpPr>
+        <p:spPr/>
+        <p:txBody>
+          <a:bodyPr/>
+          <a:lstStyle/>
+          <a:p>
+            <a:fld id="{B8CCFB4A-676A-624E-8305-EB10BE2C8F51}" type="slidenum">
+              <a:rPr lang="fr-FR" smtClean="0"/>
+              <a:t>5</a:t>
+            </a:fld>
+            <a:endParaRPr lang="fr-FR"/>
           </a:p>
         </p:txBody>
       </p:sp>
@@ -3772,15 +4459,15 @@
   <p:timing>
     <p:tnLst>
       <p:par>
-        <p:cTn id="1" dur="indefinite" restart="never" nodeType="tmRoot"/>
+        <p:cTn xmlns:p14="http://schemas.microsoft.com/office/powerpoint/2010/main" id="1" dur="indefinite" restart="never" nodeType="tmRoot"/>
       </p:par>
     </p:tnLst>
   </p:timing>
 </p:sld>
 </file>
 
-<file path=ppt/slides/slide4.xml><?xml version="1.0" encoding="utf-8"?>
-<p:sld xmlns:a="http://schemas.openxmlformats.org/drawingml/2006/main" xmlns:r="http://schemas.openxmlformats.org/officeDocument/2006/relationships" xmlns:mc="http://schemas.openxmlformats.org/markup-compatibility/2006" xmlns:mv="urn:schemas-microsoft-com:mac:vml" xmlns:p="http://schemas.openxmlformats.org/presentationml/2006/main" mc:Ignorable="mv" mc:PreserveAttributes="mv:*">
+<file path=ppt/slides/slide6.xml><?xml version="1.0" encoding="utf-8"?>
+<p:sld xmlns:a="http://schemas.openxmlformats.org/drawingml/2006/main" xmlns:r="http://schemas.openxmlformats.org/officeDocument/2006/relationships" xmlns:p="http://schemas.openxmlformats.org/presentationml/2006/main">
   <p:cSld>
     <p:spTree>
       <p:nvGrpSpPr>
@@ -3812,244 +4499,6 @@
           <a:lstStyle/>
           <a:p>
             <a:r>
-              <a:rPr lang="fr-FR" dirty="0" smtClean="0"/>
-              <a:t>BRDF de </a:t>
-            </a:r>
-            <a:r>
-              <a:rPr lang="fr-FR" dirty="0" err="1" smtClean="0"/>
-              <a:t>Phong</a:t>
-            </a:r>
-            <a:endParaRPr lang="fr-FR" dirty="0"/>
-          </a:p>
-        </p:txBody>
-      </p:sp>
-      <p:pic>
-        <p:nvPicPr>
-          <p:cNvPr id="4" name="Espace réservé du contenu 3" descr="BRDF-Phong.png"/>
-          <p:cNvPicPr>
-            <a:picLocks noGrp="1" noChangeAspect="1"/>
-          </p:cNvPicPr>
-          <p:nvPr>
-            <p:ph idx="1"/>
-          </p:nvPr>
-        </p:nvPicPr>
-        <p:blipFill>
-          <a:blip r:embed="rId2"/>
-          <a:stretch>
-            <a:fillRect/>
-          </a:stretch>
-        </p:blipFill>
-        <p:spPr>
-          <a:xfrm>
-            <a:off x="1371619" y="1600200"/>
-            <a:ext cx="6400762" cy="4708525"/>
-          </a:xfrm>
-        </p:spPr>
-      </p:pic>
-    </p:spTree>
-  </p:cSld>
-  <p:clrMapOvr>
-    <a:masterClrMapping/>
-  </p:clrMapOvr>
-  <p:timing>
-    <p:tnLst>
-      <p:par>
-        <p:cTn id="1" dur="indefinite" restart="never" nodeType="tmRoot"/>
-      </p:par>
-    </p:tnLst>
-  </p:timing>
-</p:sld>
-</file>
-
-<file path=ppt/slides/slide5.xml><?xml version="1.0" encoding="utf-8"?>
-<p:sld xmlns:a="http://schemas.openxmlformats.org/drawingml/2006/main" xmlns:r="http://schemas.openxmlformats.org/officeDocument/2006/relationships" xmlns:mc="http://schemas.openxmlformats.org/markup-compatibility/2006" xmlns:mv="urn:schemas-microsoft-com:mac:vml" xmlns:p="http://schemas.openxmlformats.org/presentationml/2006/main" mc:Ignorable="mv" mc:PreserveAttributes="mv:*">
-  <p:cSld>
-    <p:spTree>
-      <p:nvGrpSpPr>
-        <p:cNvPr id="1" name=""/>
-        <p:cNvGrpSpPr/>
-        <p:nvPr/>
-      </p:nvGrpSpPr>
-      <p:grpSpPr>
-        <a:xfrm>
-          <a:off x="0" y="0"/>
-          <a:ext cx="0" cy="0"/>
-          <a:chOff x="0" y="0"/>
-          <a:chExt cx="0" cy="0"/>
-        </a:xfrm>
-      </p:grpSpPr>
-      <p:sp>
-        <p:nvSpPr>
-          <p:cNvPr id="2" name="Titre 1"/>
-          <p:cNvSpPr>
-            <a:spLocks noGrp="1"/>
-          </p:cNvSpPr>
-          <p:nvPr>
-            <p:ph type="title"/>
-          </p:nvPr>
-        </p:nvSpPr>
-        <p:spPr/>
-        <p:txBody>
-          <a:bodyPr/>
-          <a:lstStyle/>
-          <a:p>
-            <a:r>
-              <a:rPr lang="fr-FR" dirty="0" smtClean="0"/>
-              <a:t>Ombres dures</a:t>
-            </a:r>
-            <a:endParaRPr lang="fr-FR" dirty="0"/>
-          </a:p>
-        </p:txBody>
-      </p:sp>
-      <p:pic>
-        <p:nvPicPr>
-          <p:cNvPr id="4" name="Espace réservé du contenu 3" descr="Ombres-Dures.png"/>
-          <p:cNvPicPr>
-            <a:picLocks noGrp="1" noChangeAspect="1"/>
-          </p:cNvPicPr>
-          <p:nvPr>
-            <p:ph idx="1"/>
-          </p:nvPr>
-        </p:nvPicPr>
-        <p:blipFill>
-          <a:blip r:embed="rId2"/>
-          <a:stretch>
-            <a:fillRect/>
-          </a:stretch>
-        </p:blipFill>
-        <p:spPr>
-          <a:xfrm>
-            <a:off x="891201" y="1600200"/>
-            <a:ext cx="7361598" cy="4708525"/>
-          </a:xfrm>
-        </p:spPr>
-      </p:pic>
-    </p:spTree>
-  </p:cSld>
-  <p:clrMapOvr>
-    <a:masterClrMapping/>
-  </p:clrMapOvr>
-  <p:timing>
-    <p:tnLst>
-      <p:par>
-        <p:cTn id="1" dur="indefinite" restart="never" nodeType="tmRoot"/>
-      </p:par>
-    </p:tnLst>
-  </p:timing>
-</p:sld>
-</file>
-
-<file path=ppt/slides/slide6.xml><?xml version="1.0" encoding="utf-8"?>
-<p:sld xmlns:a="http://schemas.openxmlformats.org/drawingml/2006/main" xmlns:r="http://schemas.openxmlformats.org/officeDocument/2006/relationships" xmlns:mc="http://schemas.openxmlformats.org/markup-compatibility/2006" xmlns:mv="urn:schemas-microsoft-com:mac:vml" xmlns:p="http://schemas.openxmlformats.org/presentationml/2006/main" mc:Ignorable="mv" mc:PreserveAttributes="mv:*">
-  <p:cSld>
-    <p:spTree>
-      <p:nvGrpSpPr>
-        <p:cNvPr id="1" name=""/>
-        <p:cNvGrpSpPr/>
-        <p:nvPr/>
-      </p:nvGrpSpPr>
-      <p:grpSpPr>
-        <a:xfrm>
-          <a:off x="0" y="0"/>
-          <a:ext cx="0" cy="0"/>
-          <a:chOff x="0" y="0"/>
-          <a:chExt cx="0" cy="0"/>
-        </a:xfrm>
-      </p:grpSpPr>
-      <p:sp>
-        <p:nvSpPr>
-          <p:cNvPr id="2" name="Titre 1"/>
-          <p:cNvSpPr>
-            <a:spLocks noGrp="1"/>
-          </p:cNvSpPr>
-          <p:nvPr>
-            <p:ph type="title"/>
-          </p:nvPr>
-        </p:nvSpPr>
-        <p:spPr/>
-        <p:txBody>
-          <a:bodyPr/>
-          <a:lstStyle/>
-          <a:p>
-            <a:r>
-              <a:rPr lang="fr-FR" dirty="0" smtClean="0"/>
-              <a:t>Ombres douces</a:t>
-            </a:r>
-            <a:endParaRPr lang="fr-FR" dirty="0"/>
-          </a:p>
-        </p:txBody>
-      </p:sp>
-      <p:pic>
-        <p:nvPicPr>
-          <p:cNvPr id="4" name="Espace réservé du contenu 3" descr="Ombres-Douces.png"/>
-          <p:cNvPicPr>
-            <a:picLocks noGrp="1" noChangeAspect="1"/>
-          </p:cNvPicPr>
-          <p:nvPr>
-            <p:ph idx="1"/>
-          </p:nvPr>
-        </p:nvPicPr>
-        <p:blipFill>
-          <a:blip r:embed="rId2"/>
-          <a:stretch>
-            <a:fillRect/>
-          </a:stretch>
-        </p:blipFill>
-        <p:spPr>
-          <a:xfrm>
-            <a:off x="1593214" y="1600200"/>
-            <a:ext cx="5957571" cy="4708525"/>
-          </a:xfrm>
-        </p:spPr>
-      </p:pic>
-    </p:spTree>
-  </p:cSld>
-  <p:clrMapOvr>
-    <a:masterClrMapping/>
-  </p:clrMapOvr>
-  <p:timing>
-    <p:tnLst>
-      <p:par>
-        <p:cTn id="1" dur="indefinite" restart="never" nodeType="tmRoot"/>
-      </p:par>
-    </p:tnLst>
-  </p:timing>
-</p:sld>
-</file>
-
-<file path=ppt/slides/slide7.xml><?xml version="1.0" encoding="utf-8"?>
-<p:sld xmlns:a="http://schemas.openxmlformats.org/drawingml/2006/main" xmlns:r="http://schemas.openxmlformats.org/officeDocument/2006/relationships" xmlns:mc="http://schemas.openxmlformats.org/markup-compatibility/2006" xmlns:mv="urn:schemas-microsoft-com:mac:vml" xmlns:p="http://schemas.openxmlformats.org/presentationml/2006/main" mc:Ignorable="mv" mc:PreserveAttributes="mv:*">
-  <p:cSld>
-    <p:spTree>
-      <p:nvGrpSpPr>
-        <p:cNvPr id="1" name=""/>
-        <p:cNvGrpSpPr/>
-        <p:nvPr/>
-      </p:nvGrpSpPr>
-      <p:grpSpPr>
-        <a:xfrm>
-          <a:off x="0" y="0"/>
-          <a:ext cx="0" cy="0"/>
-          <a:chOff x="0" y="0"/>
-          <a:chExt cx="0" cy="0"/>
-        </a:xfrm>
-      </p:grpSpPr>
-      <p:sp>
-        <p:nvSpPr>
-          <p:cNvPr id="2" name="Titre 1"/>
-          <p:cNvSpPr>
-            <a:spLocks noGrp="1"/>
-          </p:cNvSpPr>
-          <p:nvPr>
-            <p:ph type="title"/>
-          </p:nvPr>
-        </p:nvSpPr>
-        <p:spPr/>
-        <p:txBody>
-          <a:bodyPr/>
-          <a:lstStyle/>
-          <a:p>
-            <a:r>
               <a:rPr lang="fr-FR" dirty="0" err="1" smtClean="0"/>
               <a:t>Ambient</a:t>
             </a:r>
@@ -4084,6 +4533,29 @@
           </a:xfrm>
         </p:spPr>
       </p:pic>
+      <p:sp>
+        <p:nvSpPr>
+          <p:cNvPr id="3" name="Slide Number Placeholder 2"/>
+          <p:cNvSpPr>
+            <a:spLocks noGrp="1"/>
+          </p:cNvSpPr>
+          <p:nvPr>
+            <p:ph type="sldNum" sz="quarter" idx="12"/>
+          </p:nvPr>
+        </p:nvSpPr>
+        <p:spPr/>
+        <p:txBody>
+          <a:bodyPr/>
+          <a:lstStyle/>
+          <a:p>
+            <a:fld id="{B8CCFB4A-676A-624E-8305-EB10BE2C8F51}" type="slidenum">
+              <a:rPr lang="fr-FR" smtClean="0"/>
+              <a:t>6</a:t>
+            </a:fld>
+            <a:endParaRPr lang="fr-FR"/>
+          </a:p>
+        </p:txBody>
+      </p:sp>
     </p:spTree>
   </p:cSld>
   <p:clrMapOvr>
@@ -4092,15 +4564,15 @@
   <p:timing>
     <p:tnLst>
       <p:par>
-        <p:cTn id="1" dur="indefinite" restart="never" nodeType="tmRoot"/>
+        <p:cTn xmlns:p14="http://schemas.microsoft.com/office/powerpoint/2010/main" id="1" dur="indefinite" restart="never" nodeType="tmRoot"/>
       </p:par>
     </p:tnLst>
   </p:timing>
 </p:sld>
 </file>
 
-<file path=ppt/slides/slide8.xml><?xml version="1.0" encoding="utf-8"?>
-<p:sld xmlns:a="http://schemas.openxmlformats.org/drawingml/2006/main" xmlns:r="http://schemas.openxmlformats.org/officeDocument/2006/relationships" xmlns:mc="http://schemas.openxmlformats.org/markup-compatibility/2006" xmlns:mv="urn:schemas-microsoft-com:mac:vml" xmlns:p="http://schemas.openxmlformats.org/presentationml/2006/main" mc:Ignorable="mv" mc:PreserveAttributes="mv:*">
+<file path=ppt/slides/slide7.xml><?xml version="1.0" encoding="utf-8"?>
+<p:sld xmlns:a="http://schemas.openxmlformats.org/drawingml/2006/main" xmlns:r="http://schemas.openxmlformats.org/officeDocument/2006/relationships" xmlns:p="http://schemas.openxmlformats.org/presentationml/2006/main">
   <p:cSld>
     <p:spTree>
       <p:nvGrpSpPr>
@@ -4186,6 +4658,29 @@
           </a:prstGeom>
         </p:spPr>
       </p:pic>
+      <p:sp>
+        <p:nvSpPr>
+          <p:cNvPr id="3" name="Slide Number Placeholder 2"/>
+          <p:cNvSpPr>
+            <a:spLocks noGrp="1"/>
+          </p:cNvSpPr>
+          <p:nvPr>
+            <p:ph type="sldNum" sz="quarter" idx="12"/>
+          </p:nvPr>
+        </p:nvSpPr>
+        <p:spPr/>
+        <p:txBody>
+          <a:bodyPr/>
+          <a:lstStyle/>
+          <a:p>
+            <a:fld id="{B8CCFB4A-676A-624E-8305-EB10BE2C8F51}" type="slidenum">
+              <a:rPr lang="fr-FR" smtClean="0"/>
+              <a:t>7</a:t>
+            </a:fld>
+            <a:endParaRPr lang="fr-FR"/>
+          </a:p>
+        </p:txBody>
+      </p:sp>
     </p:spTree>
   </p:cSld>
   <p:clrMapOvr>
@@ -4194,15 +4689,15 @@
   <p:timing>
     <p:tnLst>
       <p:par>
-        <p:cTn id="1" dur="indefinite" restart="never" nodeType="tmRoot"/>
+        <p:cTn xmlns:p14="http://schemas.microsoft.com/office/powerpoint/2010/main" id="1" dur="indefinite" restart="never" nodeType="tmRoot"/>
       </p:par>
     </p:tnLst>
   </p:timing>
 </p:sld>
 </file>
 
-<file path=ppt/slides/slide9.xml><?xml version="1.0" encoding="utf-8"?>
-<p:sld xmlns:a="http://schemas.openxmlformats.org/drawingml/2006/main" xmlns:r="http://schemas.openxmlformats.org/officeDocument/2006/relationships" xmlns:mc="http://schemas.openxmlformats.org/markup-compatibility/2006" xmlns:mv="urn:schemas-microsoft-com:mac:vml" xmlns:p="http://schemas.openxmlformats.org/presentationml/2006/main" mc:Ignorable="mv" mc:PreserveAttributes="mv:*">
+<file path=ppt/slides/slide8.xml><?xml version="1.0" encoding="utf-8"?>
+<p:sld xmlns:a="http://schemas.openxmlformats.org/drawingml/2006/main" xmlns:r="http://schemas.openxmlformats.org/officeDocument/2006/relationships" xmlns:p="http://schemas.openxmlformats.org/presentationml/2006/main">
   <p:cSld>
     <p:spTree>
       <p:nvGrpSpPr>
@@ -4294,6 +4789,29 @@
           </a:prstGeom>
         </p:spPr>
       </p:pic>
+      <p:sp>
+        <p:nvSpPr>
+          <p:cNvPr id="3" name="Slide Number Placeholder 2"/>
+          <p:cNvSpPr>
+            <a:spLocks noGrp="1"/>
+          </p:cNvSpPr>
+          <p:nvPr>
+            <p:ph type="sldNum" sz="quarter" idx="12"/>
+          </p:nvPr>
+        </p:nvSpPr>
+        <p:spPr/>
+        <p:txBody>
+          <a:bodyPr/>
+          <a:lstStyle/>
+          <a:p>
+            <a:fld id="{B8CCFB4A-676A-624E-8305-EB10BE2C8F51}" type="slidenum">
+              <a:rPr lang="fr-FR" smtClean="0"/>
+              <a:t>8</a:t>
+            </a:fld>
+            <a:endParaRPr lang="fr-FR"/>
+          </a:p>
+        </p:txBody>
+      </p:sp>
     </p:spTree>
   </p:cSld>
   <p:clrMapOvr>
@@ -4302,7 +4820,176 @@
   <p:timing>
     <p:tnLst>
       <p:par>
-        <p:cTn id="1" dur="indefinite" restart="never" nodeType="tmRoot"/>
+        <p:cTn xmlns:p14="http://schemas.microsoft.com/office/powerpoint/2010/main" id="1" dur="indefinite" restart="never" nodeType="tmRoot"/>
+      </p:par>
+    </p:tnLst>
+  </p:timing>
+</p:sld>
+</file>
+
+<file path=ppt/slides/slide9.xml><?xml version="1.0" encoding="utf-8"?>
+<p:sld xmlns:a="http://schemas.openxmlformats.org/drawingml/2006/main" xmlns:r="http://schemas.openxmlformats.org/officeDocument/2006/relationships" xmlns:p="http://schemas.openxmlformats.org/presentationml/2006/main">
+  <p:cSld>
+    <p:spTree>
+      <p:nvGrpSpPr>
+        <p:cNvPr id="1" name=""/>
+        <p:cNvGrpSpPr/>
+        <p:nvPr/>
+      </p:nvGrpSpPr>
+      <p:grpSpPr>
+        <a:xfrm>
+          <a:off x="0" y="0"/>
+          <a:ext cx="0" cy="0"/>
+          <a:chOff x="0" y="0"/>
+          <a:chExt cx="0" cy="0"/>
+        </a:xfrm>
+      </p:grpSpPr>
+      <p:sp>
+        <p:nvSpPr>
+          <p:cNvPr id="2" name="Titre 1"/>
+          <p:cNvSpPr>
+            <a:spLocks noGrp="1"/>
+          </p:cNvSpPr>
+          <p:nvPr>
+            <p:ph type="title"/>
+          </p:nvPr>
+        </p:nvSpPr>
+        <p:spPr/>
+        <p:txBody>
+          <a:bodyPr/>
+          <a:lstStyle/>
+          <a:p>
+            <a:r>
+              <a:rPr lang="fr-FR" dirty="0" smtClean="0"/>
+              <a:t>Éclairage Global</a:t>
+            </a:r>
+            <a:endParaRPr lang="fr-FR" dirty="0"/>
+          </a:p>
+        </p:txBody>
+      </p:sp>
+      <p:sp>
+        <p:nvSpPr>
+          <p:cNvPr id="3" name="Espace réservé du contenu 2"/>
+          <p:cNvSpPr>
+            <a:spLocks noGrp="1"/>
+          </p:cNvSpPr>
+          <p:nvPr>
+            <p:ph idx="1"/>
+          </p:nvPr>
+        </p:nvSpPr>
+        <p:spPr/>
+        <p:txBody>
+          <a:bodyPr/>
+          <a:lstStyle/>
+          <a:p>
+            <a:r>
+              <a:rPr lang="fr-FR" dirty="0" smtClean="0"/>
+              <a:t>Choix du </a:t>
+            </a:r>
+            <a:r>
+              <a:rPr lang="fr-FR" dirty="0" err="1" smtClean="0"/>
+              <a:t>Path</a:t>
+            </a:r>
+            <a:r>
+              <a:rPr lang="fr-FR" dirty="0" smtClean="0"/>
+              <a:t> </a:t>
+            </a:r>
+            <a:r>
+              <a:rPr lang="fr-FR" dirty="0" err="1" smtClean="0"/>
+              <a:t>Tracing</a:t>
+            </a:r>
+            <a:r>
+              <a:rPr lang="fr-FR" dirty="0" smtClean="0"/>
+              <a:t> Stochastique</a:t>
+            </a:r>
+          </a:p>
+          <a:p>
+            <a:r>
+              <a:rPr lang="fr-FR" dirty="0" smtClean="0"/>
+              <a:t>Lancer de N rayons par pixel (avec </a:t>
+            </a:r>
+            <a:r>
+              <a:rPr lang="fr-FR" dirty="0" err="1" smtClean="0"/>
+              <a:t>jittering</a:t>
+            </a:r>
+            <a:r>
+              <a:rPr lang="fr-FR" dirty="0" smtClean="0"/>
+              <a:t>)</a:t>
+            </a:r>
+          </a:p>
+          <a:p>
+            <a:r>
+              <a:rPr lang="fr-FR" dirty="0" smtClean="0"/>
+              <a:t>BRDF de </a:t>
+            </a:r>
+            <a:r>
+              <a:rPr lang="fr-FR" dirty="0" err="1" smtClean="0"/>
+              <a:t>Phong</a:t>
+            </a:r>
+            <a:endParaRPr lang="fr-FR" dirty="0" smtClean="0"/>
+          </a:p>
+          <a:p>
+            <a:r>
+              <a:rPr lang="fr-FR" dirty="0" smtClean="0"/>
+              <a:t>Rebonds aléatoires (avec roulette russe)</a:t>
+            </a:r>
+          </a:p>
+          <a:p>
+            <a:r>
+              <a:rPr lang="fr-FR" smtClean="0"/>
+              <a:t>Calculs récursifs</a:t>
+            </a:r>
+            <a:endParaRPr lang="fr-FR" dirty="0" smtClean="0"/>
+          </a:p>
+          <a:p>
+            <a:pPr marL="137160" indent="0">
+              <a:buNone/>
+            </a:pPr>
+            <a:endParaRPr lang="fr-FR" dirty="0" smtClean="0"/>
+          </a:p>
+          <a:p>
+            <a:endParaRPr lang="fr-FR" dirty="0" smtClean="0"/>
+          </a:p>
+          <a:p>
+            <a:pPr marL="137160" indent="0">
+              <a:buNone/>
+            </a:pPr>
+            <a:endParaRPr lang="fr-FR" dirty="0"/>
+          </a:p>
+        </p:txBody>
+      </p:sp>
+      <p:sp>
+        <p:nvSpPr>
+          <p:cNvPr id="4" name="Slide Number Placeholder 3"/>
+          <p:cNvSpPr>
+            <a:spLocks noGrp="1"/>
+          </p:cNvSpPr>
+          <p:nvPr>
+            <p:ph type="sldNum" sz="quarter" idx="12"/>
+          </p:nvPr>
+        </p:nvSpPr>
+        <p:spPr/>
+        <p:txBody>
+          <a:bodyPr/>
+          <a:lstStyle/>
+          <a:p>
+            <a:fld id="{B8CCFB4A-676A-624E-8305-EB10BE2C8F51}" type="slidenum">
+              <a:rPr lang="fr-FR" smtClean="0"/>
+              <a:t>9</a:t>
+            </a:fld>
+            <a:endParaRPr lang="fr-FR"/>
+          </a:p>
+        </p:txBody>
+      </p:sp>
+    </p:spTree>
+  </p:cSld>
+  <p:clrMapOvr>
+    <a:masterClrMapping/>
+  </p:clrMapOvr>
+  <p:timing>
+    <p:tnLst>
+      <p:par>
+        <p:cTn xmlns:p14="http://schemas.microsoft.com/office/powerpoint/2010/main" id="1" dur="indefinite" restart="never" nodeType="tmRoot"/>
       </p:par>
     </p:tnLst>
   </p:timing>
@@ -4637,4 +5324,644 @@
   </a:objectDefaults>
   <a:extraClrSchemeLst/>
 </a:theme>
+</file>
+
+<file path=ppt/theme/theme2.xml><?xml version="1.0" encoding="utf-8"?>
+<a:theme xmlns:a="http://schemas.openxmlformats.org/drawingml/2006/main" name="Office Theme">
+  <a:themeElements>
+    <a:clrScheme name="Office">
+      <a:dk1>
+        <a:sysClr val="windowText" lastClr="000000"/>
+      </a:dk1>
+      <a:lt1>
+        <a:sysClr val="window" lastClr="FFFFFF"/>
+      </a:lt1>
+      <a:dk2>
+        <a:srgbClr val="1F497D"/>
+      </a:dk2>
+      <a:lt2>
+        <a:srgbClr val="EEECE1"/>
+      </a:lt2>
+      <a:accent1>
+        <a:srgbClr val="4F81BD"/>
+      </a:accent1>
+      <a:accent2>
+        <a:srgbClr val="C0504D"/>
+      </a:accent2>
+      <a:accent3>
+        <a:srgbClr val="9BBB59"/>
+      </a:accent3>
+      <a:accent4>
+        <a:srgbClr val="8064A2"/>
+      </a:accent4>
+      <a:accent5>
+        <a:srgbClr val="4BACC6"/>
+      </a:accent5>
+      <a:accent6>
+        <a:srgbClr val="F79646"/>
+      </a:accent6>
+      <a:hlink>
+        <a:srgbClr val="0000FF"/>
+      </a:hlink>
+      <a:folHlink>
+        <a:srgbClr val="800080"/>
+      </a:folHlink>
+    </a:clrScheme>
+    <a:fontScheme name="Office">
+      <a:majorFont>
+        <a:latin typeface="Calibri"/>
+        <a:ea typeface=""/>
+        <a:cs typeface=""/>
+        <a:font script="Jpan" typeface="ＭＳ Ｐゴシック"/>
+        <a:font script="Hang" typeface="맑은 고딕"/>
+        <a:font script="Hans" typeface="宋体"/>
+        <a:font script="Hant" typeface="新細明體"/>
+        <a:font script="Arab" typeface="Times New Roman"/>
+        <a:font script="Hebr" typeface="Times New Roman"/>
+        <a:font script="Thai" typeface="Angsana New"/>
+        <a:font script="Ethi" typeface="Nyala"/>
+        <a:font script="Beng" typeface="Vrinda"/>
+        <a:font script="Gujr" typeface="Shruti"/>
+        <a:font script="Khmr" typeface="MoolBoran"/>
+        <a:font script="Knda" typeface="Tunga"/>
+        <a:font script="Guru" typeface="Raavi"/>
+        <a:font script="Cans" typeface="Euphemia"/>
+        <a:font script="Cher" typeface="Plantagenet Cherokee"/>
+        <a:font script="Yiii" typeface="Microsoft Yi Baiti"/>
+        <a:font script="Tibt" typeface="Microsoft Himalaya"/>
+        <a:font script="Thaa" typeface="MV Boli"/>
+        <a:font script="Deva" typeface="Mangal"/>
+        <a:font script="Telu" typeface="Gautami"/>
+        <a:font script="Taml" typeface="Latha"/>
+        <a:font script="Syrc" typeface="Estrangelo Edessa"/>
+        <a:font script="Orya" typeface="Kalinga"/>
+        <a:font script="Mlym" typeface="Kartika"/>
+        <a:font script="Laoo" typeface="DokChampa"/>
+        <a:font script="Sinh" typeface="Iskoola Pota"/>
+        <a:font script="Mong" typeface="Mongolian Baiti"/>
+        <a:font script="Viet" typeface="Times New Roman"/>
+        <a:font script="Uigh" typeface="Microsoft Uighur"/>
+        <a:font script="Geor" typeface="Sylfaen"/>
+      </a:majorFont>
+      <a:minorFont>
+        <a:latin typeface="Calibri"/>
+        <a:ea typeface=""/>
+        <a:cs typeface=""/>
+        <a:font script="Jpan" typeface="ＭＳ Ｐゴシック"/>
+        <a:font script="Hang" typeface="맑은 고딕"/>
+        <a:font script="Hans" typeface="宋体"/>
+        <a:font script="Hant" typeface="新細明體"/>
+        <a:font script="Arab" typeface="Arial"/>
+        <a:font script="Hebr" typeface="Arial"/>
+        <a:font script="Thai" typeface="Cordia New"/>
+        <a:font script="Ethi" typeface="Nyala"/>
+        <a:font script="Beng" typeface="Vrinda"/>
+        <a:font script="Gujr" typeface="Shruti"/>
+        <a:font script="Khmr" typeface="DaunPenh"/>
+        <a:font script="Knda" typeface="Tunga"/>
+        <a:font script="Guru" typeface="Raavi"/>
+        <a:font script="Cans" typeface="Euphemia"/>
+        <a:font script="Cher" typeface="Plantagenet Cherokee"/>
+        <a:font script="Yiii" typeface="Microsoft Yi Baiti"/>
+        <a:font script="Tibt" typeface="Microsoft Himalaya"/>
+        <a:font script="Thaa" typeface="MV Boli"/>
+        <a:font script="Deva" typeface="Mangal"/>
+        <a:font script="Telu" typeface="Gautami"/>
+        <a:font script="Taml" typeface="Latha"/>
+        <a:font script="Syrc" typeface="Estrangelo Edessa"/>
+        <a:font script="Orya" typeface="Kalinga"/>
+        <a:font script="Mlym" typeface="Kartika"/>
+        <a:font script="Laoo" typeface="DokChampa"/>
+        <a:font script="Sinh" typeface="Iskoola Pota"/>
+        <a:font script="Mong" typeface="Mongolian Baiti"/>
+        <a:font script="Viet" typeface="Arial"/>
+        <a:font script="Uigh" typeface="Microsoft Uighur"/>
+        <a:font script="Geor" typeface="Sylfaen"/>
+      </a:minorFont>
+    </a:fontScheme>
+    <a:fmtScheme name="Office">
+      <a:fillStyleLst>
+        <a:solidFill>
+          <a:schemeClr val="phClr"/>
+        </a:solidFill>
+        <a:gradFill rotWithShape="1">
+          <a:gsLst>
+            <a:gs pos="0">
+              <a:schemeClr val="phClr">
+                <a:tint val="50000"/>
+                <a:satMod val="300000"/>
+              </a:schemeClr>
+            </a:gs>
+            <a:gs pos="35000">
+              <a:schemeClr val="phClr">
+                <a:tint val="37000"/>
+                <a:satMod val="300000"/>
+              </a:schemeClr>
+            </a:gs>
+            <a:gs pos="100000">
+              <a:schemeClr val="phClr">
+                <a:tint val="15000"/>
+                <a:satMod val="350000"/>
+              </a:schemeClr>
+            </a:gs>
+          </a:gsLst>
+          <a:lin ang="16200000" scaled="1"/>
+        </a:gradFill>
+        <a:gradFill rotWithShape="1">
+          <a:gsLst>
+            <a:gs pos="0">
+              <a:schemeClr val="phClr">
+                <a:tint val="100000"/>
+                <a:shade val="100000"/>
+                <a:satMod val="130000"/>
+              </a:schemeClr>
+            </a:gs>
+            <a:gs pos="100000">
+              <a:schemeClr val="phClr">
+                <a:tint val="50000"/>
+                <a:shade val="100000"/>
+                <a:satMod val="350000"/>
+              </a:schemeClr>
+            </a:gs>
+          </a:gsLst>
+          <a:lin ang="16200000" scaled="0"/>
+        </a:gradFill>
+      </a:fillStyleLst>
+      <a:lnStyleLst>
+        <a:ln w="9525" cap="flat" cmpd="sng" algn="ctr">
+          <a:solidFill>
+            <a:schemeClr val="phClr">
+              <a:shade val="95000"/>
+              <a:satMod val="105000"/>
+            </a:schemeClr>
+          </a:solidFill>
+          <a:prstDash val="solid"/>
+        </a:ln>
+        <a:ln w="25400" cap="flat" cmpd="sng" algn="ctr">
+          <a:solidFill>
+            <a:schemeClr val="phClr"/>
+          </a:solidFill>
+          <a:prstDash val="solid"/>
+        </a:ln>
+        <a:ln w="38100" cap="flat" cmpd="sng" algn="ctr">
+          <a:solidFill>
+            <a:schemeClr val="phClr"/>
+          </a:solidFill>
+          <a:prstDash val="solid"/>
+        </a:ln>
+      </a:lnStyleLst>
+      <a:effectStyleLst>
+        <a:effectStyle>
+          <a:effectLst>
+            <a:outerShdw blurRad="40000" dist="20000" dir="5400000" rotWithShape="0">
+              <a:srgbClr val="000000">
+                <a:alpha val="38000"/>
+              </a:srgbClr>
+            </a:outerShdw>
+          </a:effectLst>
+        </a:effectStyle>
+        <a:effectStyle>
+          <a:effectLst>
+            <a:outerShdw blurRad="40000" dist="23000" dir="5400000" rotWithShape="0">
+              <a:srgbClr val="000000">
+                <a:alpha val="35000"/>
+              </a:srgbClr>
+            </a:outerShdw>
+          </a:effectLst>
+        </a:effectStyle>
+        <a:effectStyle>
+          <a:effectLst>
+            <a:outerShdw blurRad="40000" dist="23000" dir="5400000" rotWithShape="0">
+              <a:srgbClr val="000000">
+                <a:alpha val="35000"/>
+              </a:srgbClr>
+            </a:outerShdw>
+          </a:effectLst>
+          <a:scene3d>
+            <a:camera prst="orthographicFront">
+              <a:rot lat="0" lon="0" rev="0"/>
+            </a:camera>
+            <a:lightRig rig="threePt" dir="t">
+              <a:rot lat="0" lon="0" rev="1200000"/>
+            </a:lightRig>
+          </a:scene3d>
+          <a:sp3d>
+            <a:bevelT w="63500" h="25400"/>
+          </a:sp3d>
+        </a:effectStyle>
+      </a:effectStyleLst>
+      <a:bgFillStyleLst>
+        <a:solidFill>
+          <a:schemeClr val="phClr"/>
+        </a:solidFill>
+        <a:gradFill rotWithShape="1">
+          <a:gsLst>
+            <a:gs pos="0">
+              <a:schemeClr val="phClr">
+                <a:tint val="40000"/>
+                <a:satMod val="350000"/>
+              </a:schemeClr>
+            </a:gs>
+            <a:gs pos="40000">
+              <a:schemeClr val="phClr">
+                <a:tint val="45000"/>
+                <a:shade val="99000"/>
+                <a:satMod val="350000"/>
+              </a:schemeClr>
+            </a:gs>
+            <a:gs pos="100000">
+              <a:schemeClr val="phClr">
+                <a:shade val="20000"/>
+                <a:satMod val="255000"/>
+              </a:schemeClr>
+            </a:gs>
+          </a:gsLst>
+          <a:path path="circle">
+            <a:fillToRect l="50000" t="-80000" r="50000" b="180000"/>
+          </a:path>
+        </a:gradFill>
+        <a:gradFill rotWithShape="1">
+          <a:gsLst>
+            <a:gs pos="0">
+              <a:schemeClr val="phClr">
+                <a:tint val="80000"/>
+                <a:satMod val="300000"/>
+              </a:schemeClr>
+            </a:gs>
+            <a:gs pos="100000">
+              <a:schemeClr val="phClr">
+                <a:shade val="30000"/>
+                <a:satMod val="200000"/>
+              </a:schemeClr>
+            </a:gs>
+          </a:gsLst>
+          <a:path path="circle">
+            <a:fillToRect l="50000" t="50000" r="50000" b="50000"/>
+          </a:path>
+        </a:gradFill>
+      </a:bgFillStyleLst>
+    </a:fmtScheme>
+  </a:themeElements>
+  <a:objectDefaults>
+    <a:spDef>
+      <a:spPr/>
+      <a:bodyPr/>
+      <a:lstStyle/>
+      <a:style>
+        <a:lnRef idx="1">
+          <a:schemeClr val="accent1"/>
+        </a:lnRef>
+        <a:fillRef idx="3">
+          <a:schemeClr val="accent1"/>
+        </a:fillRef>
+        <a:effectRef idx="2">
+          <a:schemeClr val="accent1"/>
+        </a:effectRef>
+        <a:fontRef idx="minor">
+          <a:schemeClr val="lt1"/>
+        </a:fontRef>
+      </a:style>
+    </a:spDef>
+    <a:lnDef>
+      <a:spPr/>
+      <a:bodyPr/>
+      <a:lstStyle/>
+      <a:style>
+        <a:lnRef idx="2">
+          <a:schemeClr val="accent1"/>
+        </a:lnRef>
+        <a:fillRef idx="0">
+          <a:schemeClr val="accent1"/>
+        </a:fillRef>
+        <a:effectRef idx="1">
+          <a:schemeClr val="accent1"/>
+        </a:effectRef>
+        <a:fontRef idx="minor">
+          <a:schemeClr val="tx1"/>
+        </a:fontRef>
+      </a:style>
+    </a:lnDef>
+  </a:objectDefaults>
+  <a:extraClrSchemeLst/>
+</a:theme>
+</file>
+
+<file path=ppt/theme/theme3.xml><?xml version="1.0" encoding="utf-8"?>
+<a:theme xmlns:a="http://schemas.openxmlformats.org/drawingml/2006/main" name="Office Theme">
+  <a:themeElements>
+    <a:clrScheme name="Office">
+      <a:dk1>
+        <a:sysClr val="windowText" lastClr="000000"/>
+      </a:dk1>
+      <a:lt1>
+        <a:sysClr val="window" lastClr="FFFFFF"/>
+      </a:lt1>
+      <a:dk2>
+        <a:srgbClr val="1F497D"/>
+      </a:dk2>
+      <a:lt2>
+        <a:srgbClr val="EEECE1"/>
+      </a:lt2>
+      <a:accent1>
+        <a:srgbClr val="4F81BD"/>
+      </a:accent1>
+      <a:accent2>
+        <a:srgbClr val="C0504D"/>
+      </a:accent2>
+      <a:accent3>
+        <a:srgbClr val="9BBB59"/>
+      </a:accent3>
+      <a:accent4>
+        <a:srgbClr val="8064A2"/>
+      </a:accent4>
+      <a:accent5>
+        <a:srgbClr val="4BACC6"/>
+      </a:accent5>
+      <a:accent6>
+        <a:srgbClr val="F79646"/>
+      </a:accent6>
+      <a:hlink>
+        <a:srgbClr val="0000FF"/>
+      </a:hlink>
+      <a:folHlink>
+        <a:srgbClr val="800080"/>
+      </a:folHlink>
+    </a:clrScheme>
+    <a:fontScheme name="Office">
+      <a:majorFont>
+        <a:latin typeface="Calibri"/>
+        <a:ea typeface=""/>
+        <a:cs typeface=""/>
+        <a:font script="Jpan" typeface="ＭＳ Ｐゴシック"/>
+        <a:font script="Hang" typeface="맑은 고딕"/>
+        <a:font script="Hans" typeface="宋体"/>
+        <a:font script="Hant" typeface="新細明體"/>
+        <a:font script="Arab" typeface="Times New Roman"/>
+        <a:font script="Hebr" typeface="Times New Roman"/>
+        <a:font script="Thai" typeface="Angsana New"/>
+        <a:font script="Ethi" typeface="Nyala"/>
+        <a:font script="Beng" typeface="Vrinda"/>
+        <a:font script="Gujr" typeface="Shruti"/>
+        <a:font script="Khmr" typeface="MoolBoran"/>
+        <a:font script="Knda" typeface="Tunga"/>
+        <a:font script="Guru" typeface="Raavi"/>
+        <a:font script="Cans" typeface="Euphemia"/>
+        <a:font script="Cher" typeface="Plantagenet Cherokee"/>
+        <a:font script="Yiii" typeface="Microsoft Yi Baiti"/>
+        <a:font script="Tibt" typeface="Microsoft Himalaya"/>
+        <a:font script="Thaa" typeface="MV Boli"/>
+        <a:font script="Deva" typeface="Mangal"/>
+        <a:font script="Telu" typeface="Gautami"/>
+        <a:font script="Taml" typeface="Latha"/>
+        <a:font script="Syrc" typeface="Estrangelo Edessa"/>
+        <a:font script="Orya" typeface="Kalinga"/>
+        <a:font script="Mlym" typeface="Kartika"/>
+        <a:font script="Laoo" typeface="DokChampa"/>
+        <a:font script="Sinh" typeface="Iskoola Pota"/>
+        <a:font script="Mong" typeface="Mongolian Baiti"/>
+        <a:font script="Viet" typeface="Times New Roman"/>
+        <a:font script="Uigh" typeface="Microsoft Uighur"/>
+        <a:font script="Geor" typeface="Sylfaen"/>
+      </a:majorFont>
+      <a:minorFont>
+        <a:latin typeface="Calibri"/>
+        <a:ea typeface=""/>
+        <a:cs typeface=""/>
+        <a:font script="Jpan" typeface="ＭＳ Ｐゴシック"/>
+        <a:font script="Hang" typeface="맑은 고딕"/>
+        <a:font script="Hans" typeface="宋体"/>
+        <a:font script="Hant" typeface="新細明體"/>
+        <a:font script="Arab" typeface="Arial"/>
+        <a:font script="Hebr" typeface="Arial"/>
+        <a:font script="Thai" typeface="Cordia New"/>
+        <a:font script="Ethi" typeface="Nyala"/>
+        <a:font script="Beng" typeface="Vrinda"/>
+        <a:font script="Gujr" typeface="Shruti"/>
+        <a:font script="Khmr" typeface="DaunPenh"/>
+        <a:font script="Knda" typeface="Tunga"/>
+        <a:font script="Guru" typeface="Raavi"/>
+        <a:font script="Cans" typeface="Euphemia"/>
+        <a:font script="Cher" typeface="Plantagenet Cherokee"/>
+        <a:font script="Yiii" typeface="Microsoft Yi Baiti"/>
+        <a:font script="Tibt" typeface="Microsoft Himalaya"/>
+        <a:font script="Thaa" typeface="MV Boli"/>
+        <a:font script="Deva" typeface="Mangal"/>
+        <a:font script="Telu" typeface="Gautami"/>
+        <a:font script="Taml" typeface="Latha"/>
+        <a:font script="Syrc" typeface="Estrangelo Edessa"/>
+        <a:font script="Orya" typeface="Kalinga"/>
+        <a:font script="Mlym" typeface="Kartika"/>
+        <a:font script="Laoo" typeface="DokChampa"/>
+        <a:font script="Sinh" typeface="Iskoola Pota"/>
+        <a:font script="Mong" typeface="Mongolian Baiti"/>
+        <a:font script="Viet" typeface="Arial"/>
+        <a:font script="Uigh" typeface="Microsoft Uighur"/>
+        <a:font script="Geor" typeface="Sylfaen"/>
+      </a:minorFont>
+    </a:fontScheme>
+    <a:fmtScheme name="Office">
+      <a:fillStyleLst>
+        <a:solidFill>
+          <a:schemeClr val="phClr"/>
+        </a:solidFill>
+        <a:gradFill rotWithShape="1">
+          <a:gsLst>
+            <a:gs pos="0">
+              <a:schemeClr val="phClr">
+                <a:tint val="50000"/>
+                <a:satMod val="300000"/>
+              </a:schemeClr>
+            </a:gs>
+            <a:gs pos="35000">
+              <a:schemeClr val="phClr">
+                <a:tint val="37000"/>
+                <a:satMod val="300000"/>
+              </a:schemeClr>
+            </a:gs>
+            <a:gs pos="100000">
+              <a:schemeClr val="phClr">
+                <a:tint val="15000"/>
+                <a:satMod val="350000"/>
+              </a:schemeClr>
+            </a:gs>
+          </a:gsLst>
+          <a:lin ang="16200000" scaled="1"/>
+        </a:gradFill>
+        <a:gradFill rotWithShape="1">
+          <a:gsLst>
+            <a:gs pos="0">
+              <a:schemeClr val="phClr">
+                <a:tint val="100000"/>
+                <a:shade val="100000"/>
+                <a:satMod val="130000"/>
+              </a:schemeClr>
+            </a:gs>
+            <a:gs pos="100000">
+              <a:schemeClr val="phClr">
+                <a:tint val="50000"/>
+                <a:shade val="100000"/>
+                <a:satMod val="350000"/>
+              </a:schemeClr>
+            </a:gs>
+          </a:gsLst>
+          <a:lin ang="16200000" scaled="0"/>
+        </a:gradFill>
+      </a:fillStyleLst>
+      <a:lnStyleLst>
+        <a:ln w="9525" cap="flat" cmpd="sng" algn="ctr">
+          <a:solidFill>
+            <a:schemeClr val="phClr">
+              <a:shade val="95000"/>
+              <a:satMod val="105000"/>
+            </a:schemeClr>
+          </a:solidFill>
+          <a:prstDash val="solid"/>
+        </a:ln>
+        <a:ln w="25400" cap="flat" cmpd="sng" algn="ctr">
+          <a:solidFill>
+            <a:schemeClr val="phClr"/>
+          </a:solidFill>
+          <a:prstDash val="solid"/>
+        </a:ln>
+        <a:ln w="38100" cap="flat" cmpd="sng" algn="ctr">
+          <a:solidFill>
+            <a:schemeClr val="phClr"/>
+          </a:solidFill>
+          <a:prstDash val="solid"/>
+        </a:ln>
+      </a:lnStyleLst>
+      <a:effectStyleLst>
+        <a:effectStyle>
+          <a:effectLst>
+            <a:outerShdw blurRad="40000" dist="20000" dir="5400000" rotWithShape="0">
+              <a:srgbClr val="000000">
+                <a:alpha val="38000"/>
+              </a:srgbClr>
+            </a:outerShdw>
+          </a:effectLst>
+        </a:effectStyle>
+        <a:effectStyle>
+          <a:effectLst>
+            <a:outerShdw blurRad="40000" dist="23000" dir="5400000" rotWithShape="0">
+              <a:srgbClr val="000000">
+                <a:alpha val="35000"/>
+              </a:srgbClr>
+            </a:outerShdw>
+          </a:effectLst>
+        </a:effectStyle>
+        <a:effectStyle>
+          <a:effectLst>
+            <a:outerShdw blurRad="40000" dist="23000" dir="5400000" rotWithShape="0">
+              <a:srgbClr val="000000">
+                <a:alpha val="35000"/>
+              </a:srgbClr>
+            </a:outerShdw>
+          </a:effectLst>
+          <a:scene3d>
+            <a:camera prst="orthographicFront">
+              <a:rot lat="0" lon="0" rev="0"/>
+            </a:camera>
+            <a:lightRig rig="threePt" dir="t">
+              <a:rot lat="0" lon="0" rev="1200000"/>
+            </a:lightRig>
+          </a:scene3d>
+          <a:sp3d>
+            <a:bevelT w="63500" h="25400"/>
+          </a:sp3d>
+        </a:effectStyle>
+      </a:effectStyleLst>
+      <a:bgFillStyleLst>
+        <a:solidFill>
+          <a:schemeClr val="phClr"/>
+        </a:solidFill>
+        <a:gradFill rotWithShape="1">
+          <a:gsLst>
+            <a:gs pos="0">
+              <a:schemeClr val="phClr">
+                <a:tint val="40000"/>
+                <a:satMod val="350000"/>
+              </a:schemeClr>
+            </a:gs>
+            <a:gs pos="40000">
+              <a:schemeClr val="phClr">
+                <a:tint val="45000"/>
+                <a:shade val="99000"/>
+                <a:satMod val="350000"/>
+              </a:schemeClr>
+            </a:gs>
+            <a:gs pos="100000">
+              <a:schemeClr val="phClr">
+                <a:shade val="20000"/>
+                <a:satMod val="255000"/>
+              </a:schemeClr>
+            </a:gs>
+          </a:gsLst>
+          <a:path path="circle">
+            <a:fillToRect l="50000" t="-80000" r="50000" b="180000"/>
+          </a:path>
+        </a:gradFill>
+        <a:gradFill rotWithShape="1">
+          <a:gsLst>
+            <a:gs pos="0">
+              <a:schemeClr val="phClr">
+                <a:tint val="80000"/>
+                <a:satMod val="300000"/>
+              </a:schemeClr>
+            </a:gs>
+            <a:gs pos="100000">
+              <a:schemeClr val="phClr">
+                <a:shade val="30000"/>
+                <a:satMod val="200000"/>
+              </a:schemeClr>
+            </a:gs>
+          </a:gsLst>
+          <a:path path="circle">
+            <a:fillToRect l="50000" t="50000" r="50000" b="50000"/>
+          </a:path>
+        </a:gradFill>
+      </a:bgFillStyleLst>
+    </a:fmtScheme>
+  </a:themeElements>
+  <a:objectDefaults>
+    <a:spDef>
+      <a:spPr/>
+      <a:bodyPr/>
+      <a:lstStyle/>
+      <a:style>
+        <a:lnRef idx="1">
+          <a:schemeClr val="accent1"/>
+        </a:lnRef>
+        <a:fillRef idx="3">
+          <a:schemeClr val="accent1"/>
+        </a:fillRef>
+        <a:effectRef idx="2">
+          <a:schemeClr val="accent1"/>
+        </a:effectRef>
+        <a:fontRef idx="minor">
+          <a:schemeClr val="lt1"/>
+        </a:fontRef>
+      </a:style>
+    </a:spDef>
+    <a:lnDef>
+      <a:spPr/>
+      <a:bodyPr/>
+      <a:lstStyle/>
+      <a:style>
+        <a:lnRef idx="2">
+          <a:schemeClr val="accent1"/>
+        </a:lnRef>
+        <a:fillRef idx="0">
+          <a:schemeClr val="accent1"/>
+        </a:fillRef>
+        <a:effectRef idx="1">
+          <a:schemeClr val="accent1"/>
+        </a:effectRef>
+        <a:fontRef idx="minor">
+          <a:schemeClr val="tx1"/>
+        </a:fontRef>
+      </a:style>
+    </a:lnDef>
+  </a:objectDefaults>
+  <a:extraClrSchemeLst/>
+</a:theme>
 </file>
--- a/Soutenance 3D/infsi350_douceur_ross.pptx
+++ b/Soutenance 3D/infsi350_douceur_ross.pptx
@@ -1,8 +1,8 @@
 
 <file path=ppt/presentation.xml><?xml version="1.0" encoding="utf-8"?>
-<p:presentation xmlns:a="http://schemas.openxmlformats.org/drawingml/2006/main" xmlns:r="http://schemas.openxmlformats.org/officeDocument/2006/relationships" xmlns:p="http://schemas.openxmlformats.org/presentationml/2006/main" saveSubsetFonts="1" autoCompressPictures="0">
+<p:presentation xmlns:a="http://schemas.openxmlformats.org/drawingml/2006/main" xmlns:r="http://schemas.openxmlformats.org/officeDocument/2006/relationships" xmlns:mc="http://schemas.openxmlformats.org/markup-compatibility/2006" xmlns:mv="urn:schemas-microsoft-com:mac:vml" xmlns:p="http://schemas.openxmlformats.org/presentationml/2006/main" mc:Ignorable="mv" mc:PreserveAttributes="mv:*" saveSubsetFonts="1" autoCompressPictures="0">
   <p:sldMasterIdLst>
-    <p:sldMasterId id="2147483648" r:id="rId1"/>
+    <p:sldMasterId r:id="rId1"/>
   </p:sldMasterIdLst>
   <p:notesMasterIdLst>
     <p:notesMasterId r:id="rId14"/>
@@ -125,7 +125,7 @@
 </file>
 
 <file path=ppt/handoutMasters/handoutMaster1.xml><?xml version="1.0" encoding="utf-8"?>
-<p:handoutMaster xmlns:a="http://schemas.openxmlformats.org/drawingml/2006/main" xmlns:r="http://schemas.openxmlformats.org/officeDocument/2006/relationships" xmlns:p="http://schemas.openxmlformats.org/presentationml/2006/main">
+<p:handoutMaster xmlns:a="http://schemas.openxmlformats.org/drawingml/2006/main" xmlns:r="http://schemas.openxmlformats.org/officeDocument/2006/relationships" xmlns:mc="http://schemas.openxmlformats.org/markup-compatibility/2006" xmlns:mv="urn:schemas-microsoft-com:mac:vml" xmlns:p="http://schemas.openxmlformats.org/presentationml/2006/main" mc:Ignorable="mv" mc:PreserveAttributes="mv:*">
   <p:cSld>
     <p:bg>
       <p:bgRef idx="1001">
@@ -206,7 +206,8 @@
           <a:p>
             <a:fld id="{B59D6C02-37C4-A342-973D-A6B4F464F26B}" type="datetimeFigureOut">
               <a:rPr lang="en-US" smtClean="0"/>
-              <a:t>4/28/11</a:t>
+              <a:pPr/>
+              <a:t>28/04/11</a:t>
             </a:fld>
             <a:endParaRPr lang="fr-FR"/>
           </a:p>
@@ -272,6 +273,7 @@
           <a:p>
             <a:fld id="{BC5514FD-6912-8946-BC31-F4DF8B343F5C}" type="slidenum">
               <a:rPr lang="fr-FR" smtClean="0"/>
+              <a:pPr/>
               <a:t>‹#›</a:t>
             </a:fld>
             <a:endParaRPr lang="fr-FR"/>
@@ -281,7 +283,7 @@
     </p:spTree>
     <p:extLst>
       <p:ext uri="{BB962C8B-B14F-4D97-AF65-F5344CB8AC3E}">
-        <p14:creationId xmlns:p14="http://schemas.microsoft.com/office/powerpoint/2010/main" val="2397147794"/>
+        <p14:creationId xmlns:p14="http://schemas.microsoft.com/office/powerpoint/2010/main" xmlns:p="http://schemas.openxmlformats.org/presentationml/2006/main" xmlns:r="http://schemas.openxmlformats.org/officeDocument/2006/relationships" xmlns:a="http://schemas.openxmlformats.org/drawingml/2006/main" xmlns="" val="2397147794"/>
       </p:ext>
     </p:extLst>
   </p:cSld>
@@ -291,7 +293,7 @@
 </file>
 
 <file path=ppt/notesMasters/notesMaster1.xml><?xml version="1.0" encoding="utf-8"?>
-<p:notesMaster xmlns:a="http://schemas.openxmlformats.org/drawingml/2006/main" xmlns:r="http://schemas.openxmlformats.org/officeDocument/2006/relationships" xmlns:p="http://schemas.openxmlformats.org/presentationml/2006/main">
+<p:notesMaster xmlns:a="http://schemas.openxmlformats.org/drawingml/2006/main" xmlns:r="http://schemas.openxmlformats.org/officeDocument/2006/relationships" xmlns:mc="http://schemas.openxmlformats.org/markup-compatibility/2006" xmlns:mv="urn:schemas-microsoft-com:mac:vml" xmlns:p="http://schemas.openxmlformats.org/presentationml/2006/main" mc:Ignorable="mv" mc:PreserveAttributes="mv:*">
   <p:cSld>
     <p:bg>
       <p:bgRef idx="1001">
@@ -372,7 +374,8 @@
           <a:p>
             <a:fld id="{9191B7A4-0A5E-3243-BBF2-0A74C889ACAF}" type="datetimeFigureOut">
               <a:rPr lang="en-US" smtClean="0"/>
-              <a:t>4/28/11</a:t>
+              <a:pPr/>
+              <a:t>28/04/11</a:t>
             </a:fld>
             <a:endParaRPr lang="fr-FR"/>
           </a:p>
@@ -531,6 +534,7 @@
           <a:p>
             <a:fld id="{6D078CAA-1CED-194B-91EB-3ED14595B601}" type="slidenum">
               <a:rPr lang="fr-FR" smtClean="0"/>
+              <a:pPr/>
               <a:t>‹#›</a:t>
             </a:fld>
             <a:endParaRPr lang="fr-FR"/>
@@ -540,7 +544,7 @@
     </p:spTree>
     <p:extLst>
       <p:ext uri="{BB962C8B-B14F-4D97-AF65-F5344CB8AC3E}">
-        <p14:creationId xmlns:p14="http://schemas.microsoft.com/office/powerpoint/2010/main" val="1561903663"/>
+        <p14:creationId xmlns:p14="http://schemas.microsoft.com/office/powerpoint/2010/main" xmlns:p="http://schemas.openxmlformats.org/presentationml/2006/main" xmlns:r="http://schemas.openxmlformats.org/officeDocument/2006/relationships" xmlns:a="http://schemas.openxmlformats.org/drawingml/2006/main" xmlns="" val="1561903663"/>
       </p:ext>
     </p:extLst>
   </p:cSld>
@@ -642,7 +646,7 @@
 </file>
 
 <file path=ppt/slideLayouts/slideLayout1.xml><?xml version="1.0" encoding="utf-8"?>
-<p:sldLayout xmlns:a="http://schemas.openxmlformats.org/drawingml/2006/main" xmlns:r="http://schemas.openxmlformats.org/officeDocument/2006/relationships" xmlns:p="http://schemas.openxmlformats.org/presentationml/2006/main" type="title" preserve="1">
+<p:sldLayout xmlns:a="http://schemas.openxmlformats.org/drawingml/2006/main" xmlns:r="http://schemas.openxmlformats.org/officeDocument/2006/relationships" xmlns:mc="http://schemas.openxmlformats.org/markup-compatibility/2006" xmlns:mv="urn:schemas-microsoft-com:mac:vml" xmlns:p="http://schemas.openxmlformats.org/presentationml/2006/main" mc:Ignorable="mv" mc:PreserveAttributes="mv:*" type="title" preserve="1">
   <p:cSld name="Diapositive de titre">
     <p:spTree>
       <p:nvGrpSpPr>
@@ -752,7 +756,8 @@
           <a:p>
             <a:fld id="{7CD5F391-CD3D-C247-9677-BD434606CFF5}" type="datetime1">
               <a:rPr lang="en-US" smtClean="0"/>
-              <a:t>4/28/11</a:t>
+              <a:pPr/>
+              <a:t>28/04/11</a:t>
             </a:fld>
             <a:endParaRPr lang="fr-FR"/>
           </a:p>
@@ -871,7 +876,7 @@
 </file>
 
 <file path=ppt/slideLayouts/slideLayout10.xml><?xml version="1.0" encoding="utf-8"?>
-<p:sldLayout xmlns:a="http://schemas.openxmlformats.org/drawingml/2006/main" xmlns:r="http://schemas.openxmlformats.org/officeDocument/2006/relationships" xmlns:p="http://schemas.openxmlformats.org/presentationml/2006/main" type="vertTx" preserve="1">
+<p:sldLayout xmlns:a="http://schemas.openxmlformats.org/drawingml/2006/main" xmlns:r="http://schemas.openxmlformats.org/officeDocument/2006/relationships" xmlns:mc="http://schemas.openxmlformats.org/markup-compatibility/2006" xmlns:mv="urn:schemas-microsoft-com:mac:vml" xmlns:p="http://schemas.openxmlformats.org/presentationml/2006/main" mc:Ignorable="mv" mc:PreserveAttributes="mv:*" type="vertTx" preserve="1">
   <p:cSld name="Titre et texte vertical">
     <p:spTree>
       <p:nvGrpSpPr>
@@ -979,7 +984,8 @@
           <a:p>
             <a:fld id="{6E1A4F9E-F27C-434C-A9E5-8A05A4B843BB}" type="datetime1">
               <a:rPr lang="en-US" smtClean="0"/>
-              <a:t>4/28/11</a:t>
+              <a:pPr/>
+              <a:t>28/04/11</a:t>
             </a:fld>
             <a:endParaRPr lang="fr-FR"/>
           </a:p>
@@ -1021,6 +1027,7 @@
           <a:p>
             <a:fld id="{B8CCFB4A-676A-624E-8305-EB10BE2C8F51}" type="slidenum">
               <a:rPr lang="fr-FR" smtClean="0"/>
+              <a:pPr/>
               <a:t>‹#›</a:t>
             </a:fld>
             <a:endParaRPr lang="fr-FR"/>
@@ -1036,7 +1043,7 @@
 </file>
 
 <file path=ppt/slideLayouts/slideLayout11.xml><?xml version="1.0" encoding="utf-8"?>
-<p:sldLayout xmlns:a="http://schemas.openxmlformats.org/drawingml/2006/main" xmlns:r="http://schemas.openxmlformats.org/officeDocument/2006/relationships" xmlns:p="http://schemas.openxmlformats.org/presentationml/2006/main" type="vertTitleAndTx" preserve="1">
+<p:sldLayout xmlns:a="http://schemas.openxmlformats.org/drawingml/2006/main" xmlns:r="http://schemas.openxmlformats.org/officeDocument/2006/relationships" xmlns:mc="http://schemas.openxmlformats.org/markup-compatibility/2006" xmlns:mv="urn:schemas-microsoft-com:mac:vml" xmlns:p="http://schemas.openxmlformats.org/presentationml/2006/main" mc:Ignorable="mv" mc:PreserveAttributes="mv:*" type="vertTitleAndTx" preserve="1">
   <p:cSld name="Titre vertical et texte">
     <p:spTree>
       <p:nvGrpSpPr>
@@ -1154,7 +1161,8 @@
           <a:p>
             <a:fld id="{05B84D70-137C-6948-AE66-DA10E59E362B}" type="datetime1">
               <a:rPr lang="en-US" smtClean="0"/>
-              <a:t>4/28/11</a:t>
+              <a:pPr/>
+              <a:t>28/04/11</a:t>
             </a:fld>
             <a:endParaRPr lang="fr-FR"/>
           </a:p>
@@ -1196,6 +1204,7 @@
           <a:p>
             <a:fld id="{B8CCFB4A-676A-624E-8305-EB10BE2C8F51}" type="slidenum">
               <a:rPr lang="fr-FR" smtClean="0"/>
+              <a:pPr/>
               <a:t>‹#›</a:t>
             </a:fld>
             <a:endParaRPr lang="fr-FR"/>
@@ -1211,7 +1220,7 @@
 </file>
 
 <file path=ppt/slideLayouts/slideLayout2.xml><?xml version="1.0" encoding="utf-8"?>
-<p:sldLayout xmlns:a="http://schemas.openxmlformats.org/drawingml/2006/main" xmlns:r="http://schemas.openxmlformats.org/officeDocument/2006/relationships" xmlns:p="http://schemas.openxmlformats.org/presentationml/2006/main" type="obj" preserve="1">
+<p:sldLayout xmlns:a="http://schemas.openxmlformats.org/drawingml/2006/main" xmlns:r="http://schemas.openxmlformats.org/officeDocument/2006/relationships" xmlns:mc="http://schemas.openxmlformats.org/markup-compatibility/2006" xmlns:mv="urn:schemas-microsoft-com:mac:vml" xmlns:p="http://schemas.openxmlformats.org/presentationml/2006/main" mc:Ignorable="mv" mc:PreserveAttributes="mv:*" type="obj" preserve="1">
   <p:cSld name="Titre et contenu">
     <p:spTree>
       <p:nvGrpSpPr>
@@ -1319,7 +1328,8 @@
           <a:p>
             <a:fld id="{A16CAF6F-3F3E-924B-9E7F-08D7B33F524A}" type="datetime1">
               <a:rPr lang="en-US" smtClean="0"/>
-              <a:t>4/28/11</a:t>
+              <a:pPr/>
+              <a:t>28/04/11</a:t>
             </a:fld>
             <a:endParaRPr lang="fr-FR"/>
           </a:p>
@@ -1361,6 +1371,7 @@
           <a:p>
             <a:fld id="{B8CCFB4A-676A-624E-8305-EB10BE2C8F51}" type="slidenum">
               <a:rPr lang="fr-FR" smtClean="0"/>
+              <a:pPr/>
               <a:t>‹#›</a:t>
             </a:fld>
             <a:endParaRPr lang="fr-FR"/>
@@ -1376,7 +1387,7 @@
 </file>
 
 <file path=ppt/slideLayouts/slideLayout3.xml><?xml version="1.0" encoding="utf-8"?>
-<p:sldLayout xmlns:a="http://schemas.openxmlformats.org/drawingml/2006/main" xmlns:r="http://schemas.openxmlformats.org/officeDocument/2006/relationships" xmlns:p="http://schemas.openxmlformats.org/presentationml/2006/main" type="secHead" preserve="1">
+<p:sldLayout xmlns:a="http://schemas.openxmlformats.org/drawingml/2006/main" xmlns:r="http://schemas.openxmlformats.org/officeDocument/2006/relationships" xmlns:mc="http://schemas.openxmlformats.org/markup-compatibility/2006" xmlns:mv="urn:schemas-microsoft-com:mac:vml" xmlns:p="http://schemas.openxmlformats.org/presentationml/2006/main" mc:Ignorable="mv" mc:PreserveAttributes="mv:*" type="secHead" preserve="1">
   <p:cSld name="En-tête de section">
     <p:spTree>
       <p:nvGrpSpPr>
@@ -1558,7 +1569,8 @@
           <a:p>
             <a:fld id="{2622FFE4-2291-664C-A911-0E8094EE089A}" type="datetime1">
               <a:rPr lang="en-US" smtClean="0"/>
-              <a:t>4/28/11</a:t>
+              <a:pPr/>
+              <a:t>28/04/11</a:t>
             </a:fld>
             <a:endParaRPr lang="fr-FR"/>
           </a:p>
@@ -1605,6 +1617,7 @@
           <a:p>
             <a:fld id="{B8CCFB4A-676A-624E-8305-EB10BE2C8F51}" type="slidenum">
               <a:rPr lang="fr-FR" smtClean="0"/>
+              <a:pPr/>
               <a:t>‹#›</a:t>
             </a:fld>
             <a:endParaRPr lang="fr-FR"/>
@@ -1620,7 +1633,7 @@
 </file>
 
 <file path=ppt/slideLayouts/slideLayout4.xml><?xml version="1.0" encoding="utf-8"?>
-<p:sldLayout xmlns:a="http://schemas.openxmlformats.org/drawingml/2006/main" xmlns:r="http://schemas.openxmlformats.org/officeDocument/2006/relationships" xmlns:p="http://schemas.openxmlformats.org/presentationml/2006/main" type="twoObj" preserve="1">
+<p:sldLayout xmlns:a="http://schemas.openxmlformats.org/drawingml/2006/main" xmlns:r="http://schemas.openxmlformats.org/officeDocument/2006/relationships" xmlns:mc="http://schemas.openxmlformats.org/markup-compatibility/2006" xmlns:mv="urn:schemas-microsoft-com:mac:vml" xmlns:p="http://schemas.openxmlformats.org/presentationml/2006/main" mc:Ignorable="mv" mc:PreserveAttributes="mv:*" type="twoObj" preserve="1">
   <p:cSld name="Deux contenus">
     <p:spTree>
       <p:nvGrpSpPr>
@@ -1822,7 +1835,8 @@
           <a:p>
             <a:fld id="{9370250B-A484-1C42-AF57-F33E344F76C4}" type="datetime1">
               <a:rPr lang="en-US" smtClean="0"/>
-              <a:t>4/28/11</a:t>
+              <a:pPr/>
+              <a:t>28/04/11</a:t>
             </a:fld>
             <a:endParaRPr lang="fr-FR"/>
           </a:p>
@@ -1864,6 +1878,7 @@
           <a:p>
             <a:fld id="{B8CCFB4A-676A-624E-8305-EB10BE2C8F51}" type="slidenum">
               <a:rPr lang="fr-FR" smtClean="0"/>
+              <a:pPr/>
               <a:t>‹#›</a:t>
             </a:fld>
             <a:endParaRPr lang="fr-FR"/>
@@ -1879,7 +1894,7 @@
 </file>
 
 <file path=ppt/slideLayouts/slideLayout5.xml><?xml version="1.0" encoding="utf-8"?>
-<p:sldLayout xmlns:a="http://schemas.openxmlformats.org/drawingml/2006/main" xmlns:r="http://schemas.openxmlformats.org/officeDocument/2006/relationships" xmlns:p="http://schemas.openxmlformats.org/presentationml/2006/main" type="twoTxTwoObj" preserve="1">
+<p:sldLayout xmlns:a="http://schemas.openxmlformats.org/drawingml/2006/main" xmlns:r="http://schemas.openxmlformats.org/officeDocument/2006/relationships" xmlns:mc="http://schemas.openxmlformats.org/markup-compatibility/2006" xmlns:mv="urn:schemas-microsoft-com:mac:vml" xmlns:p="http://schemas.openxmlformats.org/presentationml/2006/main" mc:Ignorable="mv" mc:PreserveAttributes="mv:*" type="twoTxTwoObj" preserve="1">
   <p:cSld name="Comparaison">
     <p:spTree>
       <p:nvGrpSpPr>
@@ -2196,7 +2211,8 @@
           <a:p>
             <a:fld id="{E7D13FDB-49AF-FC4E-B93C-2420AE27338E}" type="datetime1">
               <a:rPr lang="en-US" smtClean="0"/>
-              <a:t>4/28/11</a:t>
+              <a:pPr/>
+              <a:t>28/04/11</a:t>
             </a:fld>
             <a:endParaRPr lang="fr-FR"/>
           </a:p>
@@ -2238,6 +2254,7 @@
           <a:p>
             <a:fld id="{B8CCFB4A-676A-624E-8305-EB10BE2C8F51}" type="slidenum">
               <a:rPr lang="fr-FR" smtClean="0"/>
+              <a:pPr/>
               <a:t>‹#›</a:t>
             </a:fld>
             <a:endParaRPr lang="fr-FR"/>
@@ -2253,7 +2270,7 @@
 </file>
 
 <file path=ppt/slideLayouts/slideLayout6.xml><?xml version="1.0" encoding="utf-8"?>
-<p:sldLayout xmlns:a="http://schemas.openxmlformats.org/drawingml/2006/main" xmlns:r="http://schemas.openxmlformats.org/officeDocument/2006/relationships" xmlns:p="http://schemas.openxmlformats.org/presentationml/2006/main" type="titleOnly" preserve="1">
+<p:sldLayout xmlns:a="http://schemas.openxmlformats.org/drawingml/2006/main" xmlns:r="http://schemas.openxmlformats.org/officeDocument/2006/relationships" xmlns:mc="http://schemas.openxmlformats.org/markup-compatibility/2006" xmlns:mv="urn:schemas-microsoft-com:mac:vml" xmlns:p="http://schemas.openxmlformats.org/presentationml/2006/main" mc:Ignorable="mv" mc:PreserveAttributes="mv:*" type="titleOnly" preserve="1">
   <p:cSld name="Titre seul">
     <p:spTree>
       <p:nvGrpSpPr>
@@ -2309,7 +2326,8 @@
           <a:p>
             <a:fld id="{3BEC889B-A9E3-AF4B-A95B-CBDE811AC380}" type="datetime1">
               <a:rPr lang="en-US" smtClean="0"/>
-              <a:t>4/28/11</a:t>
+              <a:pPr/>
+              <a:t>28/04/11</a:t>
             </a:fld>
             <a:endParaRPr lang="fr-FR"/>
           </a:p>
@@ -2351,6 +2369,7 @@
           <a:p>
             <a:fld id="{B8CCFB4A-676A-624E-8305-EB10BE2C8F51}" type="slidenum">
               <a:rPr lang="fr-FR" smtClean="0"/>
+              <a:pPr/>
               <a:t>‹#›</a:t>
             </a:fld>
             <a:endParaRPr lang="fr-FR"/>
@@ -2366,7 +2385,7 @@
 </file>
 
 <file path=ppt/slideLayouts/slideLayout7.xml><?xml version="1.0" encoding="utf-8"?>
-<p:sldLayout xmlns:a="http://schemas.openxmlformats.org/drawingml/2006/main" xmlns:r="http://schemas.openxmlformats.org/officeDocument/2006/relationships" xmlns:p="http://schemas.openxmlformats.org/presentationml/2006/main" type="blank" preserve="1">
+<p:sldLayout xmlns:a="http://schemas.openxmlformats.org/drawingml/2006/main" xmlns:r="http://schemas.openxmlformats.org/officeDocument/2006/relationships" xmlns:mc="http://schemas.openxmlformats.org/markup-compatibility/2006" xmlns:mv="urn:schemas-microsoft-com:mac:vml" xmlns:p="http://schemas.openxmlformats.org/presentationml/2006/main" mc:Ignorable="mv" mc:PreserveAttributes="mv:*" type="blank" preserve="1">
   <p:cSld name="Vide">
     <p:spTree>
       <p:nvGrpSpPr>
@@ -2399,7 +2418,8 @@
           <a:p>
             <a:fld id="{BC6BB3F2-A275-DA47-A086-320CAC8D9DE4}" type="datetime1">
               <a:rPr lang="en-US" smtClean="0"/>
-              <a:t>4/28/11</a:t>
+              <a:pPr/>
+              <a:t>28/04/11</a:t>
             </a:fld>
             <a:endParaRPr lang="fr-FR"/>
           </a:p>
@@ -2441,6 +2461,7 @@
           <a:p>
             <a:fld id="{B8CCFB4A-676A-624E-8305-EB10BE2C8F51}" type="slidenum">
               <a:rPr lang="fr-FR" smtClean="0"/>
+              <a:pPr/>
               <a:t>‹#›</a:t>
             </a:fld>
             <a:endParaRPr lang="fr-FR"/>
@@ -2456,7 +2477,7 @@
 </file>
 
 <file path=ppt/slideLayouts/slideLayout8.xml><?xml version="1.0" encoding="utf-8"?>
-<p:sldLayout xmlns:a="http://schemas.openxmlformats.org/drawingml/2006/main" xmlns:r="http://schemas.openxmlformats.org/officeDocument/2006/relationships" xmlns:p="http://schemas.openxmlformats.org/presentationml/2006/main" type="objTx" preserve="1">
+<p:sldLayout xmlns:a="http://schemas.openxmlformats.org/drawingml/2006/main" xmlns:r="http://schemas.openxmlformats.org/officeDocument/2006/relationships" xmlns:mc="http://schemas.openxmlformats.org/markup-compatibility/2006" xmlns:mv="urn:schemas-microsoft-com:mac:vml" xmlns:p="http://schemas.openxmlformats.org/presentationml/2006/main" mc:Ignorable="mv" mc:PreserveAttributes="mv:*" type="objTx" preserve="1">
   <p:cSld name="Contenu avec légende">
     <p:spTree>
       <p:nvGrpSpPr>
@@ -2657,7 +2678,8 @@
           <a:p>
             <a:fld id="{8A20AC6A-1C98-DF45-BBC6-85FA9D43F761}" type="datetime1">
               <a:rPr lang="en-US" smtClean="0"/>
-              <a:t>4/28/11</a:t>
+              <a:pPr/>
+              <a:t>28/04/11</a:t>
             </a:fld>
             <a:endParaRPr lang="fr-FR"/>
           </a:p>
@@ -2699,6 +2721,7 @@
           <a:p>
             <a:fld id="{B8CCFB4A-676A-624E-8305-EB10BE2C8F51}" type="slidenum">
               <a:rPr lang="fr-FR" smtClean="0"/>
+              <a:pPr/>
               <a:t>‹#›</a:t>
             </a:fld>
             <a:endParaRPr lang="fr-FR"/>
@@ -2714,7 +2737,7 @@
 </file>
 
 <file path=ppt/slideLayouts/slideLayout9.xml><?xml version="1.0" encoding="utf-8"?>
-<p:sldLayout xmlns:a="http://schemas.openxmlformats.org/drawingml/2006/main" xmlns:r="http://schemas.openxmlformats.org/officeDocument/2006/relationships" xmlns:p="http://schemas.openxmlformats.org/presentationml/2006/main" type="picTx" preserve="1">
+<p:sldLayout xmlns:a="http://schemas.openxmlformats.org/drawingml/2006/main" xmlns:r="http://schemas.openxmlformats.org/officeDocument/2006/relationships" xmlns:mc="http://schemas.openxmlformats.org/markup-compatibility/2006" xmlns:mv="urn:schemas-microsoft-com:mac:vml" xmlns:p="http://schemas.openxmlformats.org/presentationml/2006/main" mc:Ignorable="mv" mc:PreserveAttributes="mv:*" type="picTx" preserve="1">
   <p:cSld name="Image avec légende">
     <p:spTree>
       <p:nvGrpSpPr>
@@ -2921,7 +2944,8 @@
           <a:p>
             <a:fld id="{C0C172EB-0676-AD4E-9874-60754C4423A8}" type="datetime1">
               <a:rPr lang="en-US" smtClean="0"/>
-              <a:t>4/28/11</a:t>
+              <a:pPr/>
+              <a:t>28/04/11</a:t>
             </a:fld>
             <a:endParaRPr lang="fr-FR"/>
           </a:p>
@@ -2963,6 +2987,7 @@
           <a:p>
             <a:fld id="{B8CCFB4A-676A-624E-8305-EB10BE2C8F51}" type="slidenum">
               <a:rPr lang="fr-FR" smtClean="0"/>
+              <a:pPr/>
               <a:t>‹#›</a:t>
             </a:fld>
             <a:endParaRPr lang="fr-FR"/>
@@ -2978,7 +3003,7 @@
 </file>
 
 <file path=ppt/slideMasters/slideMaster1.xml><?xml version="1.0" encoding="utf-8"?>
-<p:sldMaster xmlns:a="http://schemas.openxmlformats.org/drawingml/2006/main" xmlns:r="http://schemas.openxmlformats.org/officeDocument/2006/relationships" xmlns:p="http://schemas.openxmlformats.org/presentationml/2006/main">
+<p:sldMaster xmlns:a="http://schemas.openxmlformats.org/drawingml/2006/main" xmlns:r="http://schemas.openxmlformats.org/officeDocument/2006/relationships" xmlns:mc="http://schemas.openxmlformats.org/markup-compatibility/2006" xmlns:mv="urn:schemas-microsoft-com:mac:vml" xmlns:p="http://schemas.openxmlformats.org/presentationml/2006/main" mc:Ignorable="mv" mc:PreserveAttributes="mv:*">
   <p:cSld>
     <p:bg>
       <p:bgRef idx="1001">
@@ -3138,7 +3163,8 @@
           <a:p>
             <a:fld id="{07D5E195-4B24-B74B-AD34-D80D1F6AEB9E}" type="datetime1">
               <a:rPr lang="en-US" smtClean="0"/>
-              <a:t>4/28/11</a:t>
+              <a:pPr/>
+              <a:t>28/04/11</a:t>
             </a:fld>
             <a:endParaRPr lang="fr-FR"/>
           </a:p>
@@ -3216,6 +3242,7 @@
           <a:p>
             <a:fld id="{B8CCFB4A-676A-624E-8305-EB10BE2C8F51}" type="slidenum">
               <a:rPr lang="fr-FR" smtClean="0"/>
+              <a:pPr/>
               <a:t>‹#›</a:t>
             </a:fld>
             <a:endParaRPr lang="fr-FR"/>
@@ -3226,17 +3253,17 @@
   </p:cSld>
   <p:clrMap bg1="dk1" tx1="lt1" bg2="dk2" tx2="lt2" accent1="accent1" accent2="accent2" accent3="accent3" accent4="accent4" accent5="accent5" accent6="accent6" hlink="hlink" folHlink="folHlink"/>
   <p:sldLayoutIdLst>
-    <p:sldLayoutId id="2147483649" r:id="rId1"/>
-    <p:sldLayoutId id="2147483650" r:id="rId2"/>
-    <p:sldLayoutId id="2147483651" r:id="rId3"/>
-    <p:sldLayoutId id="2147483652" r:id="rId4"/>
-    <p:sldLayoutId id="2147483653" r:id="rId5"/>
-    <p:sldLayoutId id="2147483654" r:id="rId6"/>
-    <p:sldLayoutId id="2147483655" r:id="rId7"/>
-    <p:sldLayoutId id="2147483656" r:id="rId8"/>
-    <p:sldLayoutId id="2147483657" r:id="rId9"/>
-    <p:sldLayoutId id="2147483658" r:id="rId10"/>
-    <p:sldLayoutId id="2147483659" r:id="rId11"/>
+    <p:sldLayoutId r:id="rId1"/>
+    <p:sldLayoutId r:id="rId2"/>
+    <p:sldLayoutId r:id="rId3"/>
+    <p:sldLayoutId r:id="rId4"/>
+    <p:sldLayoutId r:id="rId5"/>
+    <p:sldLayoutId r:id="rId6"/>
+    <p:sldLayoutId r:id="rId7"/>
+    <p:sldLayoutId r:id="rId8"/>
+    <p:sldLayoutId r:id="rId9"/>
+    <p:sldLayoutId r:id="rId10"/>
+    <p:sldLayoutId r:id="rId11"/>
   </p:sldLayoutIdLst>
   <p:hf hdr="0" ftr="0" dt="0"/>
   <p:txStyles>
@@ -3553,7 +3580,7 @@
 </file>
 
 <file path=ppt/slides/slide1.xml><?xml version="1.0" encoding="utf-8"?>
-<p:sld xmlns:a="http://schemas.openxmlformats.org/drawingml/2006/main" xmlns:r="http://schemas.openxmlformats.org/officeDocument/2006/relationships" xmlns:p="http://schemas.openxmlformats.org/presentationml/2006/main">
+<p:sld xmlns:a="http://schemas.openxmlformats.org/drawingml/2006/main" xmlns:r="http://schemas.openxmlformats.org/officeDocument/2006/relationships" xmlns:mc="http://schemas.openxmlformats.org/markup-compatibility/2006" xmlns:mv="urn:schemas-microsoft-com:mac:vml" xmlns:p="http://schemas.openxmlformats.org/presentationml/2006/main" mc:Ignorable="mv" mc:PreserveAttributes="mv:*">
   <p:cSld>
     <p:spTree>
       <p:nvGrpSpPr>
@@ -3655,7 +3682,7 @@
   <p:timing>
     <p:tnLst>
       <p:par>
-        <p:cTn xmlns:p14="http://schemas.microsoft.com/office/powerpoint/2010/main" id="1" dur="indefinite" restart="never" nodeType="tmRoot"/>
+        <p:cTn id="1" dur="indefinite" restart="never" nodeType="tmRoot"/>
       </p:par>
     </p:tnLst>
   </p:timing>
@@ -3663,7 +3690,7 @@
 </file>
 
 <file path=ppt/slides/slide10.xml><?xml version="1.0" encoding="utf-8"?>
-<p:sld xmlns:a="http://schemas.openxmlformats.org/drawingml/2006/main" xmlns:r="http://schemas.openxmlformats.org/officeDocument/2006/relationships" xmlns:p="http://schemas.openxmlformats.org/presentationml/2006/main">
+<p:sld xmlns:a="http://schemas.openxmlformats.org/drawingml/2006/main" xmlns:r="http://schemas.openxmlformats.org/officeDocument/2006/relationships" xmlns:mc="http://schemas.openxmlformats.org/markup-compatibility/2006" xmlns:mv="urn:schemas-microsoft-com:mac:vml" xmlns:p="http://schemas.openxmlformats.org/presentationml/2006/main" mc:Ignorable="mv" mc:PreserveAttributes="mv:*">
   <p:cSld>
     <p:spTree>
       <p:nvGrpSpPr>
@@ -3742,6 +3769,7 @@
           <a:p>
             <a:fld id="{B8CCFB4A-676A-624E-8305-EB10BE2C8F51}" type="slidenum">
               <a:rPr lang="fr-FR" smtClean="0"/>
+              <a:pPr/>
               <a:t>10</a:t>
             </a:fld>
             <a:endParaRPr lang="fr-FR"/>
@@ -3756,7 +3784,7 @@
   <p:timing>
     <p:tnLst>
       <p:par>
-        <p:cTn xmlns:p14="http://schemas.microsoft.com/office/powerpoint/2010/main" id="1" dur="indefinite" restart="never" nodeType="tmRoot"/>
+        <p:cTn id="1" dur="indefinite" restart="never" nodeType="tmRoot"/>
       </p:par>
     </p:tnLst>
   </p:timing>
@@ -3764,7 +3792,7 @@
 </file>
 
 <file path=ppt/slides/slide11.xml><?xml version="1.0" encoding="utf-8"?>
-<p:sld xmlns:a="http://schemas.openxmlformats.org/drawingml/2006/main" xmlns:r="http://schemas.openxmlformats.org/officeDocument/2006/relationships" xmlns:p="http://schemas.openxmlformats.org/presentationml/2006/main">
+<p:sld xmlns:a="http://schemas.openxmlformats.org/drawingml/2006/main" xmlns:r="http://schemas.openxmlformats.org/officeDocument/2006/relationships" xmlns:mc="http://schemas.openxmlformats.org/markup-compatibility/2006" xmlns:mv="urn:schemas-microsoft-com:mac:vml" xmlns:p="http://schemas.openxmlformats.org/presentationml/2006/main" mc:Ignorable="mv" mc:PreserveAttributes="mv:*">
   <p:cSld>
     <p:spTree>
       <p:nvGrpSpPr>
@@ -3843,6 +3871,7 @@
           <a:p>
             <a:fld id="{B8CCFB4A-676A-624E-8305-EB10BE2C8F51}" type="slidenum">
               <a:rPr lang="fr-FR" smtClean="0"/>
+              <a:pPr/>
               <a:t>11</a:t>
             </a:fld>
             <a:endParaRPr lang="fr-FR"/>
@@ -3857,7 +3886,7 @@
   <p:timing>
     <p:tnLst>
       <p:par>
-        <p:cTn xmlns:p14="http://schemas.microsoft.com/office/powerpoint/2010/main" id="1" dur="indefinite" restart="never" nodeType="tmRoot"/>
+        <p:cTn id="1" dur="indefinite" restart="never" nodeType="tmRoot"/>
       </p:par>
     </p:tnLst>
   </p:timing>
@@ -3865,7 +3894,7 @@
 </file>
 
 <file path=ppt/slides/slide12.xml><?xml version="1.0" encoding="utf-8"?>
-<p:sld xmlns:a="http://schemas.openxmlformats.org/drawingml/2006/main" xmlns:r="http://schemas.openxmlformats.org/officeDocument/2006/relationships" xmlns:p="http://schemas.openxmlformats.org/presentationml/2006/main">
+<p:sld xmlns:a="http://schemas.openxmlformats.org/drawingml/2006/main" xmlns:r="http://schemas.openxmlformats.org/officeDocument/2006/relationships" xmlns:mc="http://schemas.openxmlformats.org/markup-compatibility/2006" xmlns:mv="urn:schemas-microsoft-com:mac:vml" xmlns:p="http://schemas.openxmlformats.org/presentationml/2006/main" mc:Ignorable="mv" mc:PreserveAttributes="mv:*">
   <p:cSld>
     <p:spTree>
       <p:nvGrpSpPr>
@@ -3943,6 +3972,7 @@
           <a:p>
             <a:fld id="{B8CCFB4A-676A-624E-8305-EB10BE2C8F51}" type="slidenum">
               <a:rPr lang="fr-FR" smtClean="0"/>
+              <a:pPr/>
               <a:t>12</a:t>
             </a:fld>
             <a:endParaRPr lang="fr-FR"/>
@@ -3957,7 +3987,7 @@
   <p:timing>
     <p:tnLst>
       <p:par>
-        <p:cTn xmlns:p14="http://schemas.microsoft.com/office/powerpoint/2010/main" id="1" dur="indefinite" restart="never" nodeType="tmRoot"/>
+        <p:cTn id="1" dur="indefinite" restart="never" nodeType="tmRoot"/>
       </p:par>
     </p:tnLst>
   </p:timing>
@@ -3965,7 +3995,7 @@
 </file>
 
 <file path=ppt/slides/slide2.xml><?xml version="1.0" encoding="utf-8"?>
-<p:sld xmlns:a="http://schemas.openxmlformats.org/drawingml/2006/main" xmlns:r="http://schemas.openxmlformats.org/officeDocument/2006/relationships" xmlns:p="http://schemas.openxmlformats.org/presentationml/2006/main">
+<p:sld xmlns:a="http://schemas.openxmlformats.org/drawingml/2006/main" xmlns:r="http://schemas.openxmlformats.org/officeDocument/2006/relationships" xmlns:mc="http://schemas.openxmlformats.org/markup-compatibility/2006" xmlns:mv="urn:schemas-microsoft-com:mac:vml" xmlns:p="http://schemas.openxmlformats.org/presentationml/2006/main" mc:Ignorable="mv" mc:PreserveAttributes="mv:*">
   <p:cSld>
     <p:spTree>
       <p:nvGrpSpPr>
@@ -4019,7 +4049,7 @@
         <p:spPr/>
         <p:txBody>
           <a:bodyPr>
-            <a:normAutofit lnSpcReduction="10000"/>
+            <a:normAutofit fontScale="92500"/>
           </a:bodyPr>
           <a:lstStyle/>
           <a:p>
@@ -4138,6 +4168,7 @@
           <a:p>
             <a:fld id="{B8CCFB4A-676A-624E-8305-EB10BE2C8F51}" type="slidenum">
               <a:rPr lang="fr-FR" smtClean="0"/>
+              <a:pPr/>
               <a:t>2</a:t>
             </a:fld>
             <a:endParaRPr lang="fr-FR"/>
@@ -4152,7 +4183,7 @@
   <p:timing>
     <p:tnLst>
       <p:par>
-        <p:cTn xmlns:p14="http://schemas.microsoft.com/office/powerpoint/2010/main" id="1" dur="indefinite" restart="never" nodeType="tmRoot"/>
+        <p:cTn id="1" dur="indefinite" restart="never" nodeType="tmRoot"/>
       </p:par>
     </p:tnLst>
   </p:timing>
@@ -4160,7 +4191,7 @@
 </file>
 
 <file path=ppt/slides/slide3.xml><?xml version="1.0" encoding="utf-8"?>
-<p:sld xmlns:a="http://schemas.openxmlformats.org/drawingml/2006/main" xmlns:r="http://schemas.openxmlformats.org/officeDocument/2006/relationships" xmlns:p="http://schemas.openxmlformats.org/presentationml/2006/main">
+<p:sld xmlns:a="http://schemas.openxmlformats.org/drawingml/2006/main" xmlns:r="http://schemas.openxmlformats.org/officeDocument/2006/relationships" xmlns:mc="http://schemas.openxmlformats.org/markup-compatibility/2006" xmlns:mv="urn:schemas-microsoft-com:mac:vml" xmlns:p="http://schemas.openxmlformats.org/presentationml/2006/main" mc:Ignorable="mv" mc:PreserveAttributes="mv:*">
   <p:cSld>
     <p:spTree>
       <p:nvGrpSpPr>
@@ -4243,6 +4274,7 @@
           <a:p>
             <a:fld id="{B8CCFB4A-676A-624E-8305-EB10BE2C8F51}" type="slidenum">
               <a:rPr lang="fr-FR" smtClean="0"/>
+              <a:pPr/>
               <a:t>3</a:t>
             </a:fld>
             <a:endParaRPr lang="fr-FR"/>
@@ -4257,7 +4289,7 @@
   <p:timing>
     <p:tnLst>
       <p:par>
-        <p:cTn xmlns:p14="http://schemas.microsoft.com/office/powerpoint/2010/main" id="1" dur="indefinite" restart="never" nodeType="tmRoot"/>
+        <p:cTn id="1" dur="indefinite" restart="never" nodeType="tmRoot"/>
       </p:par>
     </p:tnLst>
   </p:timing>
@@ -4265,7 +4297,7 @@
 </file>
 
 <file path=ppt/slides/slide4.xml><?xml version="1.0" encoding="utf-8"?>
-<p:sld xmlns:a="http://schemas.openxmlformats.org/drawingml/2006/main" xmlns:r="http://schemas.openxmlformats.org/officeDocument/2006/relationships" xmlns:p="http://schemas.openxmlformats.org/presentationml/2006/main">
+<p:sld xmlns:a="http://schemas.openxmlformats.org/drawingml/2006/main" xmlns:r="http://schemas.openxmlformats.org/officeDocument/2006/relationships" xmlns:mc="http://schemas.openxmlformats.org/markup-compatibility/2006" xmlns:mv="urn:schemas-microsoft-com:mac:vml" xmlns:p="http://schemas.openxmlformats.org/presentationml/2006/main" mc:Ignorable="mv" mc:PreserveAttributes="mv:*">
   <p:cSld>
     <p:spTree>
       <p:nvGrpSpPr>
@@ -4344,6 +4376,7 @@
           <a:p>
             <a:fld id="{B8CCFB4A-676A-624E-8305-EB10BE2C8F51}" type="slidenum">
               <a:rPr lang="fr-FR" smtClean="0"/>
+              <a:pPr/>
               <a:t>4</a:t>
             </a:fld>
             <a:endParaRPr lang="fr-FR"/>
@@ -4358,7 +4391,7 @@
   <p:timing>
     <p:tnLst>
       <p:par>
-        <p:cTn xmlns:p14="http://schemas.microsoft.com/office/powerpoint/2010/main" id="1" dur="indefinite" restart="never" nodeType="tmRoot"/>
+        <p:cTn id="1" dur="indefinite" restart="never" nodeType="tmRoot"/>
       </p:par>
     </p:tnLst>
   </p:timing>
@@ -4366,7 +4399,7 @@
 </file>
 
 <file path=ppt/slides/slide5.xml><?xml version="1.0" encoding="utf-8"?>
-<p:sld xmlns:a="http://schemas.openxmlformats.org/drawingml/2006/main" xmlns:r="http://schemas.openxmlformats.org/officeDocument/2006/relationships" xmlns:p="http://schemas.openxmlformats.org/presentationml/2006/main">
+<p:sld xmlns:a="http://schemas.openxmlformats.org/drawingml/2006/main" xmlns:r="http://schemas.openxmlformats.org/officeDocument/2006/relationships" xmlns:mc="http://schemas.openxmlformats.org/markup-compatibility/2006" xmlns:mv="urn:schemas-microsoft-com:mac:vml" xmlns:p="http://schemas.openxmlformats.org/presentationml/2006/main" mc:Ignorable="mv" mc:PreserveAttributes="mv:*">
   <p:cSld>
     <p:spTree>
       <p:nvGrpSpPr>
@@ -4445,6 +4478,7 @@
           <a:p>
             <a:fld id="{B8CCFB4A-676A-624E-8305-EB10BE2C8F51}" type="slidenum">
               <a:rPr lang="fr-FR" smtClean="0"/>
+              <a:pPr/>
               <a:t>5</a:t>
             </a:fld>
             <a:endParaRPr lang="fr-FR"/>
@@ -4459,7 +4493,7 @@
   <p:timing>
     <p:tnLst>
       <p:par>
-        <p:cTn xmlns:p14="http://schemas.microsoft.com/office/powerpoint/2010/main" id="1" dur="indefinite" restart="never" nodeType="tmRoot"/>
+        <p:cTn id="1" dur="indefinite" restart="never" nodeType="tmRoot"/>
       </p:par>
     </p:tnLst>
   </p:timing>
@@ -4467,7 +4501,7 @@
 </file>
 
 <file path=ppt/slides/slide6.xml><?xml version="1.0" encoding="utf-8"?>
-<p:sld xmlns:a="http://schemas.openxmlformats.org/drawingml/2006/main" xmlns:r="http://schemas.openxmlformats.org/officeDocument/2006/relationships" xmlns:p="http://schemas.openxmlformats.org/presentationml/2006/main">
+<p:sld xmlns:a="http://schemas.openxmlformats.org/drawingml/2006/main" xmlns:r="http://schemas.openxmlformats.org/officeDocument/2006/relationships" xmlns:mc="http://schemas.openxmlformats.org/markup-compatibility/2006" xmlns:mv="urn:schemas-microsoft-com:mac:vml" xmlns:p="http://schemas.openxmlformats.org/presentationml/2006/main" mc:Ignorable="mv" mc:PreserveAttributes="mv:*">
   <p:cSld>
     <p:spTree>
       <p:nvGrpSpPr>
@@ -4504,7 +4538,11 @@
             </a:r>
             <a:r>
               <a:rPr lang="fr-FR" dirty="0" smtClean="0"/>
-              <a:t> Occlusion (AO)</a:t>
+              <a:t> </a:t>
+            </a:r>
+            <a:r>
+              <a:rPr lang="fr-FR" dirty="0" smtClean="0"/>
+              <a:t>Occlusion</a:t>
             </a:r>
             <a:endParaRPr lang="fr-FR" dirty="0"/>
           </a:p>
@@ -4550,6 +4588,7 @@
           <a:p>
             <a:fld id="{B8CCFB4A-676A-624E-8305-EB10BE2C8F51}" type="slidenum">
               <a:rPr lang="fr-FR" smtClean="0"/>
+              <a:pPr/>
               <a:t>6</a:t>
             </a:fld>
             <a:endParaRPr lang="fr-FR"/>
@@ -4564,7 +4603,7 @@
   <p:timing>
     <p:tnLst>
       <p:par>
-        <p:cTn xmlns:p14="http://schemas.microsoft.com/office/powerpoint/2010/main" id="1" dur="indefinite" restart="never" nodeType="tmRoot"/>
+        <p:cTn id="1" dur="indefinite" restart="never" nodeType="tmRoot"/>
       </p:par>
     </p:tnLst>
   </p:timing>
@@ -4572,7 +4611,7 @@
 </file>
 
 <file path=ppt/slides/slide7.xml><?xml version="1.0" encoding="utf-8"?>
-<p:sld xmlns:a="http://schemas.openxmlformats.org/drawingml/2006/main" xmlns:r="http://schemas.openxmlformats.org/officeDocument/2006/relationships" xmlns:p="http://schemas.openxmlformats.org/presentationml/2006/main">
+<p:sld xmlns:a="http://schemas.openxmlformats.org/drawingml/2006/main" xmlns:r="http://schemas.openxmlformats.org/officeDocument/2006/relationships" xmlns:mc="http://schemas.openxmlformats.org/markup-compatibility/2006" xmlns:mv="urn:schemas-microsoft-com:mac:vml" xmlns:p="http://schemas.openxmlformats.org/presentationml/2006/main" mc:Ignorable="mv" mc:PreserveAttributes="mv:*">
   <p:cSld>
     <p:spTree>
       <p:nvGrpSpPr>
@@ -4604,8 +4643,12 @@
           <a:lstStyle/>
           <a:p>
             <a:r>
-              <a:rPr lang="fr-FR" dirty="0" smtClean="0"/>
-              <a:t>AO – Sans/Avec</a:t>
+              <a:rPr lang="fr-FR" err="1" smtClean="0"/>
+              <a:t>Ambient</a:t>
+            </a:r>
+            <a:r>
+              <a:rPr lang="fr-FR" smtClean="0"/>
+              <a:t> Occlusion</a:t>
             </a:r>
             <a:endParaRPr lang="fr-FR" dirty="0"/>
           </a:p>
@@ -4675,6 +4718,7 @@
           <a:p>
             <a:fld id="{B8CCFB4A-676A-624E-8305-EB10BE2C8F51}" type="slidenum">
               <a:rPr lang="fr-FR" smtClean="0"/>
+              <a:pPr/>
               <a:t>7</a:t>
             </a:fld>
             <a:endParaRPr lang="fr-FR"/>
@@ -4689,7 +4733,7 @@
   <p:timing>
     <p:tnLst>
       <p:par>
-        <p:cTn xmlns:p14="http://schemas.microsoft.com/office/powerpoint/2010/main" id="1" dur="indefinite" restart="never" nodeType="tmRoot"/>
+        <p:cTn id="1" dur="indefinite" restart="never" nodeType="tmRoot"/>
       </p:par>
     </p:tnLst>
   </p:timing>
@@ -4697,7 +4741,7 @@
 </file>
 
 <file path=ppt/slides/slide8.xml><?xml version="1.0" encoding="utf-8"?>
-<p:sld xmlns:a="http://schemas.openxmlformats.org/drawingml/2006/main" xmlns:r="http://schemas.openxmlformats.org/officeDocument/2006/relationships" xmlns:p="http://schemas.openxmlformats.org/presentationml/2006/main">
+<p:sld xmlns:a="http://schemas.openxmlformats.org/drawingml/2006/main" xmlns:r="http://schemas.openxmlformats.org/officeDocument/2006/relationships" xmlns:mc="http://schemas.openxmlformats.org/markup-compatibility/2006" xmlns:mv="urn:schemas-microsoft-com:mac:vml" xmlns:p="http://schemas.openxmlformats.org/presentationml/2006/main" mc:Ignorable="mv" mc:PreserveAttributes="mv:*">
   <p:cSld>
     <p:spTree>
       <p:nvGrpSpPr>
@@ -4726,13 +4770,17 @@
         <p:spPr/>
         <p:txBody>
           <a:bodyPr>
-            <a:normAutofit fontScale="90000"/>
+            <a:normAutofit/>
           </a:bodyPr>
           <a:lstStyle/>
           <a:p>
             <a:r>
               <a:rPr lang="fr-FR" dirty="0" smtClean="0"/>
-              <a:t>TOZOOM Aliasing/</a:t>
+              <a:t>Aliasing</a:t>
+            </a:r>
+            <a:r>
+              <a:rPr lang="fr-FR" dirty="0" smtClean="0"/>
+              <a:t>/</a:t>
             </a:r>
             <a:r>
               <a:rPr lang="fr-FR" dirty="0" err="1" smtClean="0"/>
@@ -4742,9 +4790,33 @@
           </a:p>
         </p:txBody>
       </p:sp>
+      <p:sp>
+        <p:nvSpPr>
+          <p:cNvPr id="3" name="Slide Number Placeholder 2"/>
+          <p:cNvSpPr>
+            <a:spLocks noGrp="1"/>
+          </p:cNvSpPr>
+          <p:nvPr>
+            <p:ph type="sldNum" sz="quarter" idx="12"/>
+          </p:nvPr>
+        </p:nvSpPr>
+        <p:spPr/>
+        <p:txBody>
+          <a:bodyPr/>
+          <a:lstStyle/>
+          <a:p>
+            <a:fld id="{B8CCFB4A-676A-624E-8305-EB10BE2C8F51}" type="slidenum">
+              <a:rPr lang="fr-FR" smtClean="0"/>
+              <a:pPr/>
+              <a:t>8</a:t>
+            </a:fld>
+            <a:endParaRPr lang="fr-FR"/>
+          </a:p>
+        </p:txBody>
+      </p:sp>
       <p:pic>
         <p:nvPicPr>
-          <p:cNvPr id="4" name="Espace réservé du contenu 3" descr="AntiAliasing-Off.png"/>
+          <p:cNvPr id="7" name="Espace réservé du contenu 6" descr="Image 5.png"/>
           <p:cNvPicPr>
             <a:picLocks noGrp="1" noChangeAspect="1"/>
           </p:cNvPicPr>
@@ -4760,14 +4832,14 @@
         </p:blipFill>
         <p:spPr>
           <a:xfrm>
-            <a:off x="457200" y="1600201"/>
-            <a:ext cx="3962400" cy="4343400"/>
+            <a:off x="1371600" y="1843812"/>
+            <a:ext cx="3048000" cy="4572863"/>
           </a:xfrm>
         </p:spPr>
       </p:pic>
       <p:pic>
         <p:nvPicPr>
-          <p:cNvPr id="5" name="Image 4" descr="AntiAliasing-On.png"/>
+          <p:cNvPr id="8" name="Image 7" descr="Image 6.png"/>
           <p:cNvPicPr>
             <a:picLocks noChangeAspect="1"/>
           </p:cNvPicPr>
@@ -4781,37 +4853,14 @@
         </p:blipFill>
         <p:spPr>
           <a:xfrm>
-            <a:off x="4724400" y="1600201"/>
-            <a:ext cx="3962400" cy="4343400"/>
+            <a:off x="5334000" y="1843812"/>
+            <a:ext cx="2743200" cy="4572862"/>
           </a:xfrm>
           <a:prstGeom prst="rect">
             <a:avLst/>
           </a:prstGeom>
         </p:spPr>
       </p:pic>
-      <p:sp>
-        <p:nvSpPr>
-          <p:cNvPr id="3" name="Slide Number Placeholder 2"/>
-          <p:cNvSpPr>
-            <a:spLocks noGrp="1"/>
-          </p:cNvSpPr>
-          <p:nvPr>
-            <p:ph type="sldNum" sz="quarter" idx="12"/>
-          </p:nvPr>
-        </p:nvSpPr>
-        <p:spPr/>
-        <p:txBody>
-          <a:bodyPr/>
-          <a:lstStyle/>
-          <a:p>
-            <a:fld id="{B8CCFB4A-676A-624E-8305-EB10BE2C8F51}" type="slidenum">
-              <a:rPr lang="fr-FR" smtClean="0"/>
-              <a:t>8</a:t>
-            </a:fld>
-            <a:endParaRPr lang="fr-FR"/>
-          </a:p>
-        </p:txBody>
-      </p:sp>
     </p:spTree>
   </p:cSld>
   <p:clrMapOvr>
@@ -4820,7 +4869,7 @@
   <p:timing>
     <p:tnLst>
       <p:par>
-        <p:cTn xmlns:p14="http://schemas.microsoft.com/office/powerpoint/2010/main" id="1" dur="indefinite" restart="never" nodeType="tmRoot"/>
+        <p:cTn id="1" dur="indefinite" restart="never" nodeType="tmRoot"/>
       </p:par>
     </p:tnLst>
   </p:timing>
@@ -4828,7 +4877,7 @@
 </file>
 
 <file path=ppt/slides/slide9.xml><?xml version="1.0" encoding="utf-8"?>
-<p:sld xmlns:a="http://schemas.openxmlformats.org/drawingml/2006/main" xmlns:r="http://schemas.openxmlformats.org/officeDocument/2006/relationships" xmlns:p="http://schemas.openxmlformats.org/presentationml/2006/main">
+<p:sld xmlns:a="http://schemas.openxmlformats.org/drawingml/2006/main" xmlns:r="http://schemas.openxmlformats.org/officeDocument/2006/relationships" xmlns:mc="http://schemas.openxmlformats.org/markup-compatibility/2006" xmlns:mv="urn:schemas-microsoft-com:mac:vml" xmlns:p="http://schemas.openxmlformats.org/presentationml/2006/main" mc:Ignorable="mv" mc:PreserveAttributes="mv:*">
   <p:cSld>
     <p:spTree>
       <p:nvGrpSpPr>
@@ -4975,6 +5024,7 @@
           <a:p>
             <a:fld id="{B8CCFB4A-676A-624E-8305-EB10BE2C8F51}" type="slidenum">
               <a:rPr lang="fr-FR" smtClean="0"/>
+              <a:pPr/>
               <a:t>9</a:t>
             </a:fld>
             <a:endParaRPr lang="fr-FR"/>
@@ -4989,7 +5039,7 @@
   <p:timing>
     <p:tnLst>
       <p:par>
-        <p:cTn xmlns:p14="http://schemas.microsoft.com/office/powerpoint/2010/main" id="1" dur="indefinite" restart="never" nodeType="tmRoot"/>
+        <p:cTn id="1" dur="indefinite" restart="never" nodeType="tmRoot"/>
       </p:par>
     </p:tnLst>
   </p:timing>
